--- a/Assets/StreamingAssets/2D_Objects/Test/~Test Instructions_XF.pptx
+++ b/Assets/StreamingAssets/2D_Objects/Test/~Test Instructions_XF.pptx
@@ -11,14 +11,14 @@
     <p:sldId id="273" r:id="rId5"/>
     <p:sldId id="268" r:id="rId6"/>
     <p:sldId id="275" r:id="rId7"/>
-    <p:sldId id="274" r:id="rId8"/>
-    <p:sldId id="283" r:id="rId9"/>
-    <p:sldId id="295" r:id="rId10"/>
-    <p:sldId id="271" r:id="rId11"/>
-    <p:sldId id="287" r:id="rId12"/>
-    <p:sldId id="298" r:id="rId13"/>
-    <p:sldId id="296" r:id="rId14"/>
-    <p:sldId id="258" r:id="rId15"/>
+    <p:sldId id="283" r:id="rId8"/>
+    <p:sldId id="295" r:id="rId9"/>
+    <p:sldId id="302" r:id="rId10"/>
+    <p:sldId id="303" r:id="rId11"/>
+    <p:sldId id="304" r:id="rId12"/>
+    <p:sldId id="301" r:id="rId13"/>
+    <p:sldId id="287" r:id="rId14"/>
+    <p:sldId id="300" r:id="rId15"/>
     <p:sldId id="281" r:id="rId16"/>
   </p:sldIdLst>
   <p:sldSz cx="12192000" cy="6858000"/>
@@ -3841,12 +3841,248 @@
           <a:chExt cx="0" cy="0"/>
         </a:xfrm>
       </p:grpSpPr>
+      <p:grpSp>
+        <p:nvGrpSpPr>
+          <p:cNvPr id="35" name="Group 34">
+            <a:extLst>
+              <a:ext uri="{FF2B5EF4-FFF2-40B4-BE49-F238E27FC236}">
+                <a16:creationId xmlns:a16="http://schemas.microsoft.com/office/drawing/2014/main" id="{F4888323-04BF-4525-84C9-48F65ADD75E5}"/>
+              </a:ext>
+            </a:extLst>
+          </p:cNvPr>
+          <p:cNvGrpSpPr/>
+          <p:nvPr/>
+        </p:nvGrpSpPr>
+        <p:grpSpPr>
+          <a:xfrm>
+            <a:off x="8406545" y="2865570"/>
+            <a:ext cx="3445407" cy="1937155"/>
+            <a:chOff x="6277563" y="3197028"/>
+            <a:chExt cx="3407527" cy="1921485"/>
+          </a:xfrm>
+        </p:grpSpPr>
+        <p:pic>
+          <p:nvPicPr>
+            <p:cNvPr id="36" name="Picture 35">
+              <a:extLst>
+                <a:ext uri="{FF2B5EF4-FFF2-40B4-BE49-F238E27FC236}">
+                  <a16:creationId xmlns:a16="http://schemas.microsoft.com/office/drawing/2014/main" id="{89C1DC30-B1D6-471A-A360-6F850A8CBC16}"/>
+                </a:ext>
+              </a:extLst>
+            </p:cNvPr>
+            <p:cNvPicPr>
+              <a:picLocks noChangeAspect="1"/>
+            </p:cNvPicPr>
+            <p:nvPr/>
+          </p:nvPicPr>
+          <p:blipFill>
+            <a:blip r:embed="rId2">
+              <a:extLst>
+                <a:ext uri="{BEBA8EAE-BF5A-486C-A8C5-ECC9F3942E4B}">
+                  <a14:imgProps xmlns:a14="http://schemas.microsoft.com/office/drawing/2010/main">
+                    <a14:imgLayer r:embed="rId3">
+                      <a14:imgEffect>
+                        <a14:artisticBlur radius="37"/>
+                      </a14:imgEffect>
+                    </a14:imgLayer>
+                  </a14:imgProps>
+                </a:ext>
+                <a:ext uri="{28A0092B-C50C-407E-A947-70E740481C1C}">
+                  <a14:useLocalDpi xmlns:a14="http://schemas.microsoft.com/office/drawing/2010/main" val="0"/>
+                </a:ext>
+              </a:extLst>
+            </a:blip>
+            <a:srcRect/>
+            <a:stretch/>
+          </p:blipFill>
+          <p:spPr>
+            <a:xfrm>
+              <a:off x="6277563" y="3197028"/>
+              <a:ext cx="3407527" cy="1921485"/>
+            </a:xfrm>
+            <a:prstGeom prst="rect">
+              <a:avLst/>
+            </a:prstGeom>
+            <a:ln w="38100" cap="sq">
+              <a:solidFill>
+                <a:srgbClr val="000000"/>
+              </a:solidFill>
+              <a:prstDash val="solid"/>
+              <a:miter lim="800000"/>
+            </a:ln>
+            <a:effectLst>
+              <a:outerShdw blurRad="50800" dist="38100" dir="2700000" algn="tl" rotWithShape="0">
+                <a:srgbClr val="000000">
+                  <a:alpha val="43000"/>
+                </a:srgbClr>
+              </a:outerShdw>
+            </a:effectLst>
+          </p:spPr>
+        </p:pic>
+        <p:pic>
+          <p:nvPicPr>
+            <p:cNvPr id="37" name="Graphic 36" descr="Help">
+              <a:extLst>
+                <a:ext uri="{FF2B5EF4-FFF2-40B4-BE49-F238E27FC236}">
+                  <a16:creationId xmlns:a16="http://schemas.microsoft.com/office/drawing/2014/main" id="{5C9A4525-2EBB-47DF-9365-4488D4AF3FFD}"/>
+                </a:ext>
+              </a:extLst>
+            </p:cNvPr>
+            <p:cNvPicPr>
+              <a:picLocks noChangeAspect="1"/>
+            </p:cNvPicPr>
+            <p:nvPr/>
+          </p:nvPicPr>
+          <p:blipFill>
+            <a:blip r:embed="rId4">
+              <a:extLst>
+                <a:ext uri="{28A0092B-C50C-407E-A947-70E740481C1C}">
+                  <a14:useLocalDpi xmlns:a14="http://schemas.microsoft.com/office/drawing/2010/main" val="0"/>
+                </a:ext>
+                <a:ext uri="{96DAC541-7B7A-43D3-8B79-37D633B846F1}">
+                  <asvg:svgBlip xmlns:asvg="http://schemas.microsoft.com/office/drawing/2016/SVG/main" r:embed="rId5"/>
+                </a:ext>
+              </a:extLst>
+            </a:blip>
+            <a:stretch>
+              <a:fillRect/>
+            </a:stretch>
+          </p:blipFill>
+          <p:spPr>
+            <a:xfrm>
+              <a:off x="7524126" y="3700570"/>
+              <a:ext cx="914400" cy="914400"/>
+            </a:xfrm>
+            <a:prstGeom prst="rect">
+              <a:avLst/>
+            </a:prstGeom>
+          </p:spPr>
+        </p:pic>
+      </p:grpSp>
+      <p:grpSp>
+        <p:nvGrpSpPr>
+          <p:cNvPr id="32" name="Group 31">
+            <a:extLst>
+              <a:ext uri="{FF2B5EF4-FFF2-40B4-BE49-F238E27FC236}">
+                <a16:creationId xmlns:a16="http://schemas.microsoft.com/office/drawing/2014/main" id="{2CD9D2B6-49A1-4043-8DA2-3BD77BEBC241}"/>
+              </a:ext>
+            </a:extLst>
+          </p:cNvPr>
+          <p:cNvGrpSpPr/>
+          <p:nvPr/>
+        </p:nvGrpSpPr>
+        <p:grpSpPr>
+          <a:xfrm>
+            <a:off x="4337194" y="2863551"/>
+            <a:ext cx="3445407" cy="1937155"/>
+            <a:chOff x="6277563" y="3197028"/>
+            <a:chExt cx="3407527" cy="1921485"/>
+          </a:xfrm>
+        </p:grpSpPr>
+        <p:pic>
+          <p:nvPicPr>
+            <p:cNvPr id="33" name="Picture 32">
+              <a:extLst>
+                <a:ext uri="{FF2B5EF4-FFF2-40B4-BE49-F238E27FC236}">
+                  <a16:creationId xmlns:a16="http://schemas.microsoft.com/office/drawing/2014/main" id="{5CB60FB5-2477-4C55-8BCF-A5C3F4DE5E5A}"/>
+                </a:ext>
+              </a:extLst>
+            </p:cNvPr>
+            <p:cNvPicPr>
+              <a:picLocks noChangeAspect="1"/>
+            </p:cNvPicPr>
+            <p:nvPr/>
+          </p:nvPicPr>
+          <p:blipFill>
+            <a:blip r:embed="rId2">
+              <a:extLst>
+                <a:ext uri="{BEBA8EAE-BF5A-486C-A8C5-ECC9F3942E4B}">
+                  <a14:imgProps xmlns:a14="http://schemas.microsoft.com/office/drawing/2010/main">
+                    <a14:imgLayer r:embed="rId3">
+                      <a14:imgEffect>
+                        <a14:artisticBlur radius="37"/>
+                      </a14:imgEffect>
+                    </a14:imgLayer>
+                  </a14:imgProps>
+                </a:ext>
+                <a:ext uri="{28A0092B-C50C-407E-A947-70E740481C1C}">
+                  <a14:useLocalDpi xmlns:a14="http://schemas.microsoft.com/office/drawing/2010/main" val="0"/>
+                </a:ext>
+              </a:extLst>
+            </a:blip>
+            <a:srcRect/>
+            <a:stretch/>
+          </p:blipFill>
+          <p:spPr>
+            <a:xfrm>
+              <a:off x="6277563" y="3197028"/>
+              <a:ext cx="3407527" cy="1921485"/>
+            </a:xfrm>
+            <a:prstGeom prst="rect">
+              <a:avLst/>
+            </a:prstGeom>
+            <a:ln w="38100" cap="sq">
+              <a:solidFill>
+                <a:srgbClr val="000000"/>
+              </a:solidFill>
+              <a:prstDash val="solid"/>
+              <a:miter lim="800000"/>
+            </a:ln>
+            <a:effectLst>
+              <a:outerShdw blurRad="50800" dist="38100" dir="2700000" algn="tl" rotWithShape="0">
+                <a:srgbClr val="000000">
+                  <a:alpha val="43000"/>
+                </a:srgbClr>
+              </a:outerShdw>
+            </a:effectLst>
+          </p:spPr>
+        </p:pic>
+        <p:pic>
+          <p:nvPicPr>
+            <p:cNvPr id="34" name="Graphic 33" descr="Help">
+              <a:extLst>
+                <a:ext uri="{FF2B5EF4-FFF2-40B4-BE49-F238E27FC236}">
+                  <a16:creationId xmlns:a16="http://schemas.microsoft.com/office/drawing/2014/main" id="{B49026DC-699E-4A04-8A86-F270B2CEAEEB}"/>
+                </a:ext>
+              </a:extLst>
+            </p:cNvPr>
+            <p:cNvPicPr>
+              <a:picLocks noChangeAspect="1"/>
+            </p:cNvPicPr>
+            <p:nvPr/>
+          </p:nvPicPr>
+          <p:blipFill>
+            <a:blip r:embed="rId4">
+              <a:extLst>
+                <a:ext uri="{28A0092B-C50C-407E-A947-70E740481C1C}">
+                  <a14:useLocalDpi xmlns:a14="http://schemas.microsoft.com/office/drawing/2010/main" val="0"/>
+                </a:ext>
+                <a:ext uri="{96DAC541-7B7A-43D3-8B79-37D633B846F1}">
+                  <asvg:svgBlip xmlns:asvg="http://schemas.microsoft.com/office/drawing/2016/SVG/main" r:embed="rId5"/>
+                </a:ext>
+              </a:extLst>
+            </a:blip>
+            <a:stretch>
+              <a:fillRect/>
+            </a:stretch>
+          </p:blipFill>
+          <p:spPr>
+            <a:xfrm>
+              <a:off x="7524126" y="3700570"/>
+              <a:ext cx="914400" cy="914400"/>
+            </a:xfrm>
+            <a:prstGeom prst="rect">
+              <a:avLst/>
+            </a:prstGeom>
+          </p:spPr>
+        </p:pic>
+      </p:grpSp>
       <p:sp>
         <p:nvSpPr>
           <p:cNvPr id="3" name="Content Placeholder 2">
             <a:extLst>
               <a:ext uri="{FF2B5EF4-FFF2-40B4-BE49-F238E27FC236}">
-                <a16:creationId xmlns:a16="http://schemas.microsoft.com/office/drawing/2014/main" id="{F30CF4C7-88AC-4C0C-82FC-A71F5AFC0F44}"/>
+                <a16:creationId xmlns:a16="http://schemas.microsoft.com/office/drawing/2014/main" id="{B7F24AF1-4C98-47B6-90F9-12C57415B17F}"/>
               </a:ext>
             </a:extLst>
           </p:cNvPr>
@@ -3859,8 +4095,8 @@
         </p:nvSpPr>
         <p:spPr>
           <a:xfrm>
-            <a:off x="421105" y="388483"/>
-            <a:ext cx="11333748" cy="4371833"/>
+            <a:off x="579521" y="31805"/>
+            <a:ext cx="11032958" cy="2266122"/>
           </a:xfrm>
         </p:spPr>
         <p:txBody>
@@ -3873,370 +4109,113 @@
               <a:buNone/>
             </a:pPr>
             <a:r>
-              <a:rPr lang="en-US" sz="3900" b="1" dirty="0"/>
-              <a:t>VARIATION COLLECTION ROUNDS</a:t>
-            </a:r>
+              <a:rPr lang="en-US" sz="3600" b="1" dirty="0"/>
+              <a:t>MONEY COLLECTION ROUNDS</a:t>
+            </a:r>
+            <a:endParaRPr lang="en-US" sz="2400" b="1" dirty="0"/>
           </a:p>
           <a:p>
             <a:pPr marL="0" indent="0" algn="ctr">
               <a:buNone/>
             </a:pPr>
-            <a:endParaRPr lang="en-US" altLang="zh-CN" sz="2400" dirty="0"/>
-          </a:p>
-          <a:p>
-            <a:pPr marL="0" indent="0">
-              <a:buNone/>
-            </a:pPr>
-            <a:r>
-              <a:rPr lang="en-US" altLang="zh-CN" sz="2600" dirty="0"/>
-              <a:t>	In</a:t>
-            </a:r>
-            <a:r>
-              <a:rPr lang="zh-CN" altLang="en-US" sz="2600" dirty="0"/>
+            <a:r>
+              <a:rPr lang="en-US" altLang="zh-CN" sz="2400" dirty="0"/>
+              <a:t>Again, </a:t>
+            </a:r>
+            <a:r>
+              <a:rPr lang="en-US" altLang="zh-CN" sz="2400" b="1" dirty="0"/>
+              <a:t>ALL</a:t>
+            </a:r>
+            <a:r>
+              <a:rPr lang="en-US" altLang="zh-CN" sz="2400" dirty="0"/>
               <a:t> </a:t>
             </a:r>
             <a:r>
-              <a:rPr lang="en-US" altLang="zh-CN" sz="2600" dirty="0"/>
-              <a:t>the</a:t>
-            </a:r>
-            <a:r>
-              <a:rPr lang="zh-CN" altLang="en-US" sz="2600" dirty="0"/>
-              <a:t> </a:t>
-            </a:r>
-            <a:r>
-              <a:rPr lang="en-US" altLang="zh-CN" sz="2600" dirty="0"/>
-              <a:t>next</a:t>
-            </a:r>
-            <a:r>
-              <a:rPr lang="zh-CN" altLang="en-US" sz="2600" dirty="0"/>
-              <a:t> </a:t>
-            </a:r>
-            <a:r>
-              <a:rPr lang="en-US" altLang="zh-CN" sz="2600" dirty="0"/>
-              <a:t>part,</a:t>
-            </a:r>
-            <a:r>
-              <a:rPr lang="zh-CN" altLang="en-US" sz="2600" dirty="0"/>
-              <a:t> </a:t>
-            </a:r>
-            <a:r>
-              <a:rPr lang="en-US" sz="2600" dirty="0"/>
-              <a:t>you will be placed in several environments includ</a:t>
-            </a:r>
-            <a:r>
-              <a:rPr lang="en-US" altLang="zh-CN" sz="2600" dirty="0"/>
-              <a:t>ing</a:t>
-            </a:r>
-            <a:r>
-              <a:rPr lang="zh-CN" altLang="en-US" sz="2600" dirty="0"/>
-              <a:t> </a:t>
-            </a:r>
-            <a:r>
-              <a:rPr lang="en-US" sz="2600" dirty="0"/>
-              <a:t>variations of the </a:t>
-            </a:r>
-            <a:r>
-              <a:rPr lang="en-US" altLang="zh-CN" sz="2600" dirty="0"/>
-              <a:t>environments</a:t>
-            </a:r>
-            <a:r>
-              <a:rPr lang="zh-CN" altLang="en-US" sz="2600" dirty="0"/>
-              <a:t> </a:t>
-            </a:r>
-            <a:r>
-              <a:rPr lang="en-US" sz="2600" dirty="0"/>
-              <a:t>that you have </a:t>
-            </a:r>
-            <a:r>
-              <a:rPr lang="en-US" altLang="zh-CN" sz="2600" dirty="0"/>
-              <a:t>collected</a:t>
-            </a:r>
-            <a:r>
-              <a:rPr lang="zh-CN" altLang="en-US" sz="2600" dirty="0"/>
-              <a:t> </a:t>
-            </a:r>
-            <a:r>
-              <a:rPr lang="en-US" altLang="zh-CN" sz="2600" dirty="0"/>
-              <a:t>money</a:t>
-            </a:r>
-            <a:r>
-              <a:rPr lang="zh-CN" altLang="en-US" sz="2600" dirty="0"/>
-              <a:t> </a:t>
-            </a:r>
-            <a:r>
-              <a:rPr lang="en-US" altLang="zh-CN" sz="2600" dirty="0"/>
-              <a:t>in</a:t>
-            </a:r>
-            <a:r>
-              <a:rPr lang="en-US" sz="2600" dirty="0"/>
-              <a:t>.</a:t>
-            </a:r>
-            <a:r>
-              <a:rPr lang="zh-CN" altLang="en-US" sz="2600" dirty="0"/>
-              <a:t> </a:t>
-            </a:r>
-            <a:r>
-              <a:rPr lang="en-US" altLang="zh-CN" sz="2600" dirty="0"/>
-              <a:t>Your</a:t>
-            </a:r>
-            <a:r>
-              <a:rPr lang="zh-CN" altLang="en-US" sz="2600" dirty="0"/>
-              <a:t> </a:t>
-            </a:r>
-            <a:r>
-              <a:rPr lang="en-US" altLang="zh-CN" sz="2600" dirty="0"/>
-              <a:t>task</a:t>
-            </a:r>
-            <a:r>
-              <a:rPr lang="zh-CN" altLang="en-US" sz="2600" dirty="0"/>
-              <a:t> </a:t>
-            </a:r>
-            <a:r>
-              <a:rPr lang="en-US" altLang="zh-CN" sz="2600" dirty="0"/>
-              <a:t>is</a:t>
-            </a:r>
-            <a:r>
-              <a:rPr lang="zh-CN" altLang="en-US" sz="2600" dirty="0"/>
-              <a:t> </a:t>
-            </a:r>
-            <a:r>
-              <a:rPr lang="en-US" altLang="zh-CN" sz="2600" dirty="0"/>
-              <a:t>to</a:t>
-            </a:r>
-            <a:r>
-              <a:rPr lang="zh-CN" altLang="en-US" sz="2600" dirty="0"/>
-              <a:t> </a:t>
-            </a:r>
-            <a:r>
-              <a:rPr lang="en-US" altLang="zh-CN" sz="2600" dirty="0"/>
-              <a:t>collect</a:t>
-            </a:r>
-            <a:r>
-              <a:rPr lang="zh-CN" altLang="en-US" sz="2600" dirty="0"/>
-              <a:t> </a:t>
-            </a:r>
-            <a:r>
-              <a:rPr lang="en-US" altLang="zh-CN" sz="2600" dirty="0"/>
-              <a:t>as</a:t>
-            </a:r>
-            <a:r>
-              <a:rPr lang="zh-CN" altLang="en-US" sz="2600" dirty="0"/>
-              <a:t> </a:t>
-            </a:r>
-            <a:r>
-              <a:rPr lang="en-US" altLang="zh-CN" sz="2600" dirty="0"/>
-              <a:t>much</a:t>
-            </a:r>
-            <a:r>
-              <a:rPr lang="zh-CN" altLang="en-US" sz="2600" dirty="0"/>
-              <a:t> </a:t>
-            </a:r>
-            <a:r>
-              <a:rPr lang="en-US" altLang="zh-CN" sz="2600" dirty="0"/>
-              <a:t>money</a:t>
-            </a:r>
-            <a:r>
-              <a:rPr lang="zh-CN" altLang="en-US" sz="2600" dirty="0"/>
-              <a:t> </a:t>
-            </a:r>
-            <a:r>
-              <a:rPr lang="en-US" altLang="zh-CN" sz="2600" dirty="0"/>
-              <a:t>as</a:t>
-            </a:r>
-            <a:r>
-              <a:rPr lang="zh-CN" altLang="en-US" sz="2600" dirty="0"/>
-              <a:t> </a:t>
-            </a:r>
-            <a:r>
-              <a:rPr lang="en-US" altLang="zh-CN" sz="2600" dirty="0"/>
-              <a:t>you</a:t>
-            </a:r>
-            <a:r>
-              <a:rPr lang="zh-CN" altLang="en-US" sz="2600" dirty="0"/>
-              <a:t> </a:t>
-            </a:r>
-            <a:r>
-              <a:rPr lang="en-US" altLang="zh-CN" sz="2600" dirty="0"/>
-              <a:t>can</a:t>
-            </a:r>
-            <a:r>
-              <a:rPr lang="zh-CN" altLang="en-US" sz="2600" dirty="0"/>
-              <a:t> </a:t>
-            </a:r>
-            <a:r>
-              <a:rPr lang="en-US" altLang="zh-CN" sz="2600" dirty="0"/>
-              <a:t>in</a:t>
-            </a:r>
-            <a:r>
-              <a:rPr lang="zh-CN" altLang="en-US" sz="2600" dirty="0"/>
-              <a:t> </a:t>
-            </a:r>
-            <a:r>
-              <a:rPr lang="en-US" altLang="zh-CN" sz="2600" dirty="0"/>
-              <a:t>each</a:t>
-            </a:r>
-            <a:r>
-              <a:rPr lang="zh-CN" altLang="en-US" sz="2600" dirty="0"/>
-              <a:t> </a:t>
-            </a:r>
-            <a:r>
-              <a:rPr lang="en-US" altLang="zh-CN" sz="2600" dirty="0"/>
-              <a:t>environment.</a:t>
-            </a:r>
-            <a:r>
-              <a:rPr lang="zh-CN" altLang="en-US" sz="2600" dirty="0"/>
-              <a:t> </a:t>
-            </a:r>
-            <a:endParaRPr lang="en-US" sz="2600" dirty="0"/>
+              <a:rPr lang="en-US" sz="2400" dirty="0"/>
+              <a:t>rounds will be </a:t>
+            </a:r>
+            <a:r>
+              <a:rPr lang="en-US" sz="2400" b="1" dirty="0"/>
+              <a:t>No Feedback Rounds</a:t>
+            </a:r>
+            <a:r>
+              <a:rPr lang="en-US" altLang="zh-CN" sz="2400" dirty="0"/>
+              <a:t>	</a:t>
+            </a:r>
           </a:p>
           <a:p>
             <a:pPr marL="0" indent="0" algn="ctr">
               <a:buNone/>
             </a:pPr>
-            <a:endParaRPr lang="en-US" altLang="zh-CN" sz="2600" dirty="0"/>
-          </a:p>
-          <a:p>
-            <a:pPr marL="0" indent="0">
-              <a:buNone/>
-            </a:pPr>
-            <a:r>
-              <a:rPr lang="en-US" altLang="zh-CN" sz="2600" dirty="0"/>
-              <a:t>	Same</a:t>
-            </a:r>
-            <a:r>
-              <a:rPr lang="zh-CN" altLang="en-US" sz="2600" dirty="0"/>
+            <a:r>
+              <a:rPr lang="en-US" sz="2400" dirty="0"/>
+              <a:t>At the start of every round you will see the “</a:t>
+            </a:r>
+            <a:r>
+              <a:rPr lang="en-US" sz="2400" dirty="0">
+                <a:solidFill>
+                  <a:schemeClr val="accent6"/>
+                </a:solidFill>
+              </a:rPr>
+              <a:t>Search For Money!</a:t>
+            </a:r>
+            <a:r>
+              <a:rPr lang="en-US" sz="2400" dirty="0"/>
               <a:t> </a:t>
             </a:r>
             <a:r>
-              <a:rPr lang="en-US" altLang="zh-CN" sz="2600" dirty="0"/>
-              <a:t>as</a:t>
-            </a:r>
-            <a:r>
-              <a:rPr lang="zh-CN" altLang="en-US" sz="2600" dirty="0"/>
-              <a:t> </a:t>
-            </a:r>
-            <a:r>
-              <a:rPr lang="en-US" altLang="zh-CN" sz="2600" dirty="0"/>
-              <a:t>in</a:t>
-            </a:r>
-            <a:r>
-              <a:rPr lang="zh-CN" altLang="en-US" sz="2600" dirty="0"/>
-              <a:t> </a:t>
-            </a:r>
-            <a:r>
-              <a:rPr lang="en-US" altLang="zh-CN" sz="2600" dirty="0"/>
-              <a:t>the</a:t>
-            </a:r>
-            <a:r>
-              <a:rPr lang="zh-CN" altLang="en-US" sz="2600" dirty="0"/>
-              <a:t> </a:t>
-            </a:r>
-            <a:r>
-              <a:rPr lang="en-US" altLang="zh-CN" sz="2600" dirty="0"/>
-              <a:t>previous</a:t>
-            </a:r>
-            <a:r>
-              <a:rPr lang="zh-CN" altLang="en-US" sz="2600" dirty="0"/>
-              <a:t> </a:t>
-            </a:r>
-            <a:r>
-              <a:rPr lang="en-US" altLang="zh-CN" sz="2600" dirty="0"/>
-              <a:t>part,</a:t>
-            </a:r>
-            <a:r>
-              <a:rPr lang="zh-CN" altLang="en-US" sz="2600" dirty="0"/>
-              <a:t> </a:t>
-            </a:r>
-            <a:r>
-              <a:rPr lang="en-US" altLang="zh-CN" sz="2600" dirty="0"/>
-              <a:t>you</a:t>
-            </a:r>
-            <a:r>
-              <a:rPr lang="zh-CN" altLang="en-US" sz="2600" dirty="0"/>
-              <a:t> </a:t>
-            </a:r>
-            <a:r>
-              <a:rPr lang="en-US" altLang="zh-CN" sz="2600" dirty="0"/>
-              <a:t>will</a:t>
-            </a:r>
-            <a:r>
-              <a:rPr lang="zh-CN" altLang="en-US" sz="2600" dirty="0"/>
-              <a:t> </a:t>
-            </a:r>
-            <a:r>
-              <a:rPr lang="en-US" altLang="zh-CN" sz="2600" dirty="0"/>
-              <a:t>have</a:t>
-            </a:r>
-            <a:r>
-              <a:rPr lang="zh-CN" altLang="en-US" sz="2600" dirty="0"/>
-              <a:t> </a:t>
-            </a:r>
-            <a:r>
-              <a:rPr lang="en-US" altLang="zh-CN" sz="2600" dirty="0"/>
-              <a:t>1</a:t>
-            </a:r>
-            <a:r>
-              <a:rPr lang="zh-CN" altLang="en-US" sz="2600" dirty="0"/>
-              <a:t> </a:t>
-            </a:r>
-            <a:r>
-              <a:rPr lang="en-US" altLang="zh-CN" sz="2600" dirty="0"/>
-              <a:t>minute</a:t>
-            </a:r>
-            <a:r>
-              <a:rPr lang="zh-CN" altLang="en-US" sz="2600" dirty="0"/>
-              <a:t> </a:t>
-            </a:r>
-            <a:r>
-              <a:rPr lang="en-US" altLang="zh-CN" sz="2600" dirty="0"/>
-              <a:t>in</a:t>
-            </a:r>
-            <a:r>
-              <a:rPr lang="zh-CN" altLang="en-US" sz="2600" dirty="0"/>
-              <a:t> </a:t>
-            </a:r>
-            <a:r>
-              <a:rPr lang="en-US" altLang="zh-CN" sz="2600" dirty="0"/>
-              <a:t>each</a:t>
-            </a:r>
-            <a:r>
-              <a:rPr lang="zh-CN" altLang="en-US" sz="2600" dirty="0"/>
-              <a:t> </a:t>
-            </a:r>
-            <a:r>
-              <a:rPr lang="en-US" altLang="zh-CN" sz="2600" dirty="0"/>
-              <a:t>round.</a:t>
-            </a:r>
-            <a:r>
-              <a:rPr lang="zh-CN" altLang="en-US" sz="2600" dirty="0"/>
-              <a:t> </a:t>
-            </a:r>
-            <a:r>
-              <a:rPr lang="en-US" altLang="zh-CN" sz="2600" dirty="0"/>
-              <a:t>You</a:t>
-            </a:r>
-            <a:r>
-              <a:rPr lang="zh-CN" altLang="en-US" sz="2600" dirty="0"/>
-              <a:t> </a:t>
-            </a:r>
-            <a:r>
-              <a:rPr lang="en-US" sz="2600" dirty="0"/>
-              <a:t>won’t find out how much you’ve collected until the end of the experiment!</a:t>
-            </a:r>
-            <a:r>
-              <a:rPr lang="zh-CN" altLang="en-US" sz="2600" dirty="0"/>
-              <a:t> </a:t>
-            </a:r>
-            <a:endParaRPr lang="en-CA" altLang="zh-CN" sz="2600" dirty="0"/>
-          </a:p>
-        </p:txBody>
-      </p:sp>
-      <p:sp>
-        <p:nvSpPr>
-          <p:cNvPr id="4" name="TextBox 3">
-            <a:extLst>
-              <a:ext uri="{FF2B5EF4-FFF2-40B4-BE49-F238E27FC236}">
-                <a16:creationId xmlns:a16="http://schemas.microsoft.com/office/drawing/2014/main" id="{327C5297-12B6-654E-8891-8E2DA3671238}"/>
+              <a:rPr lang="en-US" sz="2400" dirty="0">
+                <a:solidFill>
+                  <a:srgbClr val="FF0000"/>
+                </a:solidFill>
+              </a:rPr>
+              <a:t>NO FEEDBACK</a:t>
+            </a:r>
+            <a:r>
+              <a:rPr lang="en-US" sz="2400" dirty="0"/>
+              <a:t>” screen and you will </a:t>
+            </a:r>
+            <a:r>
+              <a:rPr lang="en-US" sz="2400" b="1" dirty="0">
+                <a:solidFill>
+                  <a:srgbClr val="FF0000"/>
+                </a:solidFill>
+              </a:rPr>
+              <a:t>NOT</a:t>
+            </a:r>
+            <a:r>
+              <a:rPr lang="en-US" sz="2400" dirty="0"/>
+              <a:t> hear a </a:t>
+            </a:r>
+            <a:r>
+              <a:rPr lang="en-US" sz="2400" b="1" dirty="0"/>
+              <a:t>coin sound</a:t>
+            </a:r>
+            <a:r>
+              <a:rPr lang="en-US" sz="2400" dirty="0"/>
+              <a:t> when you collect money and you will </a:t>
+            </a:r>
+            <a:r>
+              <a:rPr lang="en-US" sz="2400" b="1" dirty="0">
+                <a:solidFill>
+                  <a:srgbClr val="FF0000"/>
+                </a:solidFill>
+              </a:rPr>
+              <a:t>NOT</a:t>
+            </a:r>
+            <a:r>
+              <a:rPr lang="en-US" sz="2400" dirty="0"/>
+              <a:t> be able to see how much you’ve collected! </a:t>
+            </a:r>
+          </a:p>
+        </p:txBody>
+      </p:sp>
+      <p:sp>
+        <p:nvSpPr>
+          <p:cNvPr id="14" name="TextBox 13">
+            <a:extLst>
+              <a:ext uri="{FF2B5EF4-FFF2-40B4-BE49-F238E27FC236}">
+                <a16:creationId xmlns:a16="http://schemas.microsoft.com/office/drawing/2014/main" id="{6AEA7FB7-00E8-4F43-8437-22ABAF58CD34}"/>
               </a:ext>
             </a:extLst>
           </p:cNvPr>
@@ -4271,12 +4250,56 @@
           </a:p>
         </p:txBody>
       </p:sp>
-      <p:sp>
-        <p:nvSpPr>
-          <p:cNvPr id="5" name="TextBox 4">
-            <a:extLst>
-              <a:ext uri="{FF2B5EF4-FFF2-40B4-BE49-F238E27FC236}">
-                <a16:creationId xmlns:a16="http://schemas.microsoft.com/office/drawing/2014/main" id="{86E40530-5ADC-F645-88C3-511D1811300D}"/>
+      <p:pic>
+        <p:nvPicPr>
+          <p:cNvPr id="17" name="Picture 16">
+            <a:extLst>
+              <a:ext uri="{FF2B5EF4-FFF2-40B4-BE49-F238E27FC236}">
+                <a16:creationId xmlns:a16="http://schemas.microsoft.com/office/drawing/2014/main" id="{02E891EF-0F77-4F96-AF50-6FC2683C90B3}"/>
+              </a:ext>
+            </a:extLst>
+          </p:cNvPr>
+          <p:cNvPicPr>
+            <a:picLocks noChangeAspect="1"/>
+          </p:cNvPicPr>
+          <p:nvPr/>
+        </p:nvPicPr>
+        <p:blipFill>
+          <a:blip r:embed="rId6"/>
+          <a:stretch>
+            <a:fillRect/>
+          </a:stretch>
+        </p:blipFill>
+        <p:spPr>
+          <a:xfrm>
+            <a:off x="267843" y="2829872"/>
+            <a:ext cx="3445407" cy="1929428"/>
+          </a:xfrm>
+          <a:prstGeom prst="rect">
+            <a:avLst/>
+          </a:prstGeom>
+          <a:ln w="38100" cap="sq">
+            <a:solidFill>
+              <a:srgbClr val="000000"/>
+            </a:solidFill>
+            <a:prstDash val="solid"/>
+            <a:miter lim="800000"/>
+          </a:ln>
+          <a:effectLst>
+            <a:outerShdw blurRad="50800" dist="38100" dir="2700000" algn="tl" rotWithShape="0">
+              <a:srgbClr val="000000">
+                <a:alpha val="43000"/>
+              </a:srgbClr>
+            </a:outerShdw>
+          </a:effectLst>
+        </p:spPr>
+      </p:pic>
+      <p:sp>
+        <p:nvSpPr>
+          <p:cNvPr id="22" name="TextBox 21">
+            <a:extLst>
+              <a:ext uri="{FF2B5EF4-FFF2-40B4-BE49-F238E27FC236}">
+                <a16:creationId xmlns:a16="http://schemas.microsoft.com/office/drawing/2014/main" id="{16CEB1E1-071E-4AB8-89AD-A85621F0A8D5}"/>
               </a:ext>
             </a:extLst>
           </p:cNvPr>
@@ -4285,8 +4308,8 @@
         </p:nvSpPr>
         <p:spPr>
           <a:xfrm>
-            <a:off x="0" y="4529483"/>
-            <a:ext cx="12192000" cy="461665"/>
+            <a:off x="5549945" y="2833311"/>
+            <a:ext cx="1106392" cy="338554"/>
           </a:xfrm>
           <a:prstGeom prst="rect">
             <a:avLst/>
@@ -4301,61 +4324,554 @@
           <a:p>
             <a:pPr algn="ctr"/>
             <a:r>
+              <a:rPr lang="en-US" sz="800" b="1" dirty="0">
+                <a:solidFill>
+                  <a:srgbClr val="FF0000"/>
+                </a:solidFill>
+              </a:rPr>
+              <a:t>Search For Money!</a:t>
+            </a:r>
+          </a:p>
+          <a:p>
+            <a:pPr algn="ctr"/>
+            <a:r>
+              <a:rPr lang="en-US" sz="800" b="1" dirty="0">
+                <a:solidFill>
+                  <a:srgbClr val="FF0000"/>
+                </a:solidFill>
+              </a:rPr>
+              <a:t>No Feedback Round</a:t>
+            </a:r>
+          </a:p>
+        </p:txBody>
+      </p:sp>
+      <p:cxnSp>
+        <p:nvCxnSpPr>
+          <p:cNvPr id="23" name="Straight Arrow Connector 22">
+            <a:extLst>
+              <a:ext uri="{FF2B5EF4-FFF2-40B4-BE49-F238E27FC236}">
+                <a16:creationId xmlns:a16="http://schemas.microsoft.com/office/drawing/2014/main" id="{EFD70104-9A5F-4160-8073-0F3619F02521}"/>
+              </a:ext>
+            </a:extLst>
+          </p:cNvPr>
+          <p:cNvCxnSpPr>
+            <a:cxnSpLocks/>
+          </p:cNvCxnSpPr>
+          <p:nvPr/>
+        </p:nvCxnSpPr>
+        <p:spPr>
+          <a:xfrm>
+            <a:off x="3819863" y="3794586"/>
+            <a:ext cx="462966" cy="0"/>
+          </a:xfrm>
+          <a:prstGeom prst="straightConnector1">
+            <a:avLst/>
+          </a:prstGeom>
+          <a:ln w="76200">
+            <a:solidFill>
+              <a:schemeClr val="tx1"/>
+            </a:solidFill>
+            <a:tailEnd type="triangle"/>
+          </a:ln>
+        </p:spPr>
+        <p:style>
+          <a:lnRef idx="1">
+            <a:schemeClr val="accent1"/>
+          </a:lnRef>
+          <a:fillRef idx="0">
+            <a:schemeClr val="accent1"/>
+          </a:fillRef>
+          <a:effectRef idx="0">
+            <a:schemeClr val="accent1"/>
+          </a:effectRef>
+          <a:fontRef idx="minor">
+            <a:schemeClr val="tx1"/>
+          </a:fontRef>
+        </p:style>
+      </p:cxnSp>
+      <p:cxnSp>
+        <p:nvCxnSpPr>
+          <p:cNvPr id="24" name="Straight Arrow Connector 23">
+            <a:extLst>
+              <a:ext uri="{FF2B5EF4-FFF2-40B4-BE49-F238E27FC236}">
+                <a16:creationId xmlns:a16="http://schemas.microsoft.com/office/drawing/2014/main" id="{6B280521-F828-4183-B872-8274F7310EE5}"/>
+              </a:ext>
+            </a:extLst>
+          </p:cNvPr>
+          <p:cNvCxnSpPr>
+            <a:cxnSpLocks/>
+          </p:cNvCxnSpPr>
+          <p:nvPr/>
+        </p:nvCxnSpPr>
+        <p:spPr>
+          <a:xfrm>
+            <a:off x="7870709" y="3794586"/>
+            <a:ext cx="462966" cy="0"/>
+          </a:xfrm>
+          <a:prstGeom prst="straightConnector1">
+            <a:avLst/>
+          </a:prstGeom>
+          <a:ln w="76200">
+            <a:solidFill>
+              <a:schemeClr val="tx1"/>
+            </a:solidFill>
+            <a:tailEnd type="triangle"/>
+          </a:ln>
+        </p:spPr>
+        <p:style>
+          <a:lnRef idx="1">
+            <a:schemeClr val="accent1"/>
+          </a:lnRef>
+          <a:fillRef idx="0">
+            <a:schemeClr val="accent1"/>
+          </a:fillRef>
+          <a:effectRef idx="0">
+            <a:schemeClr val="accent1"/>
+          </a:effectRef>
+          <a:fontRef idx="minor">
+            <a:schemeClr val="tx1"/>
+          </a:fontRef>
+        </p:style>
+      </p:cxnSp>
+      <p:sp>
+        <p:nvSpPr>
+          <p:cNvPr id="25" name="Rectangle 24">
+            <a:extLst>
+              <a:ext uri="{FF2B5EF4-FFF2-40B4-BE49-F238E27FC236}">
+                <a16:creationId xmlns:a16="http://schemas.microsoft.com/office/drawing/2014/main" id="{2F9D0C25-6569-46BB-ADC2-028A4FC9CCC9}"/>
+              </a:ext>
+            </a:extLst>
+          </p:cNvPr>
+          <p:cNvSpPr/>
+          <p:nvPr/>
+        </p:nvSpPr>
+        <p:spPr>
+          <a:xfrm>
+            <a:off x="5352591" y="2464792"/>
+            <a:ext cx="1514723" cy="332774"/>
+          </a:xfrm>
+          <a:prstGeom prst="rect">
+            <a:avLst/>
+          </a:prstGeom>
+          <a:solidFill>
+            <a:schemeClr val="tx1"/>
+          </a:solidFill>
+          <a:ln>
+            <a:noFill/>
+          </a:ln>
+        </p:spPr>
+        <p:style>
+          <a:lnRef idx="2">
+            <a:schemeClr val="accent1">
+              <a:shade val="50000"/>
+            </a:schemeClr>
+          </a:lnRef>
+          <a:fillRef idx="1">
+            <a:schemeClr val="accent1"/>
+          </a:fillRef>
+          <a:effectRef idx="0">
+            <a:schemeClr val="accent1"/>
+          </a:effectRef>
+          <a:fontRef idx="minor">
+            <a:schemeClr val="lt1"/>
+          </a:fontRef>
+        </p:style>
+        <p:txBody>
+          <a:bodyPr rtlCol="0" anchor="ctr"/>
+          <a:lstStyle/>
+          <a:p>
+            <a:pPr algn="ctr"/>
+            <a:endParaRPr lang="en-US"/>
+          </a:p>
+        </p:txBody>
+      </p:sp>
+      <p:sp>
+        <p:nvSpPr>
+          <p:cNvPr id="26" name="TextBox 25">
+            <a:extLst>
+              <a:ext uri="{FF2B5EF4-FFF2-40B4-BE49-F238E27FC236}">
+                <a16:creationId xmlns:a16="http://schemas.microsoft.com/office/drawing/2014/main" id="{CDFC1F7A-E485-458A-BCDD-0B4871AAB41A}"/>
+              </a:ext>
+            </a:extLst>
+          </p:cNvPr>
+          <p:cNvSpPr txBox="1"/>
+          <p:nvPr/>
+        </p:nvSpPr>
+        <p:spPr>
+          <a:xfrm>
+            <a:off x="5352591" y="2446513"/>
+            <a:ext cx="1514723" cy="369332"/>
+          </a:xfrm>
+          <a:prstGeom prst="rect">
+            <a:avLst/>
+          </a:prstGeom>
+          <a:noFill/>
+          <a:ln>
+            <a:noFill/>
+          </a:ln>
+        </p:spPr>
+        <p:txBody>
+          <a:bodyPr wrap="square" rtlCol="0">
+            <a:spAutoFit/>
+          </a:bodyPr>
+          <a:lstStyle/>
+          <a:p>
+            <a:pPr algn="ctr"/>
+            <a:r>
+              <a:rPr lang="en-US" b="1" dirty="0">
+                <a:solidFill>
+                  <a:schemeClr val="bg1"/>
+                </a:solidFill>
+              </a:rPr>
+              <a:t>Less than </a:t>
+            </a:r>
+            <a:r>
+              <a:rPr lang="en-US" b="1" dirty="0">
+                <a:solidFill>
+                  <a:schemeClr val="accent6"/>
+                </a:solidFill>
+              </a:rPr>
+              <a:t>10¢</a:t>
+            </a:r>
+            <a:endParaRPr lang="en-US" dirty="0"/>
+          </a:p>
+        </p:txBody>
+      </p:sp>
+      <p:sp>
+        <p:nvSpPr>
+          <p:cNvPr id="27" name="Rectangle 26">
+            <a:extLst>
+              <a:ext uri="{FF2B5EF4-FFF2-40B4-BE49-F238E27FC236}">
+                <a16:creationId xmlns:a16="http://schemas.microsoft.com/office/drawing/2014/main" id="{6F1330E4-0C76-4D1B-B970-2D4D10F3ADE5}"/>
+              </a:ext>
+            </a:extLst>
+          </p:cNvPr>
+          <p:cNvSpPr/>
+          <p:nvPr/>
+        </p:nvSpPr>
+        <p:spPr>
+          <a:xfrm>
+            <a:off x="5380416" y="2772444"/>
+            <a:ext cx="1459065" cy="387283"/>
+          </a:xfrm>
+          <a:prstGeom prst="rect">
+            <a:avLst/>
+          </a:prstGeom>
+          <a:noFill/>
+          <a:ln w="57150">
+            <a:solidFill>
+              <a:schemeClr val="tx1"/>
+            </a:solidFill>
+          </a:ln>
+        </p:spPr>
+        <p:style>
+          <a:lnRef idx="2">
+            <a:schemeClr val="accent1">
+              <a:shade val="50000"/>
+            </a:schemeClr>
+          </a:lnRef>
+          <a:fillRef idx="1">
+            <a:schemeClr val="accent1"/>
+          </a:fillRef>
+          <a:effectRef idx="0">
+            <a:schemeClr val="accent1"/>
+          </a:effectRef>
+          <a:fontRef idx="minor">
+            <a:schemeClr val="lt1"/>
+          </a:fontRef>
+        </p:style>
+        <p:txBody>
+          <a:bodyPr rtlCol="0" anchor="ctr"/>
+          <a:lstStyle/>
+          <a:p>
+            <a:pPr algn="ctr"/>
+            <a:endParaRPr lang="en-US"/>
+          </a:p>
+        </p:txBody>
+      </p:sp>
+      <p:sp>
+        <p:nvSpPr>
+          <p:cNvPr id="28" name="Rectangle 27">
+            <a:extLst>
+              <a:ext uri="{FF2B5EF4-FFF2-40B4-BE49-F238E27FC236}">
+                <a16:creationId xmlns:a16="http://schemas.microsoft.com/office/drawing/2014/main" id="{DD559E22-7387-4C05-A6D2-B70187F18FF4}"/>
+              </a:ext>
+            </a:extLst>
+          </p:cNvPr>
+          <p:cNvSpPr/>
+          <p:nvPr/>
+        </p:nvSpPr>
+        <p:spPr>
+          <a:xfrm>
+            <a:off x="9437445" y="2468159"/>
+            <a:ext cx="1514723" cy="332774"/>
+          </a:xfrm>
+          <a:prstGeom prst="rect">
+            <a:avLst/>
+          </a:prstGeom>
+          <a:solidFill>
+            <a:schemeClr val="tx1"/>
+          </a:solidFill>
+          <a:ln>
+            <a:noFill/>
+          </a:ln>
+        </p:spPr>
+        <p:style>
+          <a:lnRef idx="2">
+            <a:schemeClr val="accent1">
+              <a:shade val="50000"/>
+            </a:schemeClr>
+          </a:lnRef>
+          <a:fillRef idx="1">
+            <a:schemeClr val="accent1"/>
+          </a:fillRef>
+          <a:effectRef idx="0">
+            <a:schemeClr val="accent1"/>
+          </a:effectRef>
+          <a:fontRef idx="minor">
+            <a:schemeClr val="lt1"/>
+          </a:fontRef>
+        </p:style>
+        <p:txBody>
+          <a:bodyPr rtlCol="0" anchor="ctr"/>
+          <a:lstStyle/>
+          <a:p>
+            <a:pPr algn="ctr"/>
+            <a:endParaRPr lang="en-US"/>
+          </a:p>
+        </p:txBody>
+      </p:sp>
+      <p:sp>
+        <p:nvSpPr>
+          <p:cNvPr id="29" name="TextBox 28">
+            <a:extLst>
+              <a:ext uri="{FF2B5EF4-FFF2-40B4-BE49-F238E27FC236}">
+                <a16:creationId xmlns:a16="http://schemas.microsoft.com/office/drawing/2014/main" id="{825BF4B8-3FF5-4CF7-BB95-F9320C06F7DA}"/>
+              </a:ext>
+            </a:extLst>
+          </p:cNvPr>
+          <p:cNvSpPr txBox="1"/>
+          <p:nvPr/>
+        </p:nvSpPr>
+        <p:spPr>
+          <a:xfrm>
+            <a:off x="9437445" y="2449880"/>
+            <a:ext cx="1514723" cy="369332"/>
+          </a:xfrm>
+          <a:prstGeom prst="rect">
+            <a:avLst/>
+          </a:prstGeom>
+          <a:noFill/>
+          <a:ln>
+            <a:noFill/>
+          </a:ln>
+        </p:spPr>
+        <p:txBody>
+          <a:bodyPr wrap="square" rtlCol="0">
+            <a:spAutoFit/>
+          </a:bodyPr>
+          <a:lstStyle/>
+          <a:p>
+            <a:pPr algn="ctr"/>
+            <a:r>
+              <a:rPr lang="en-US" b="1" dirty="0">
+                <a:solidFill>
+                  <a:schemeClr val="accent6"/>
+                </a:solidFill>
+              </a:rPr>
+              <a:t>10¢</a:t>
+            </a:r>
+            <a:r>
+              <a:rPr lang="en-US" b="1" dirty="0">
+                <a:solidFill>
+                  <a:schemeClr val="bg1"/>
+                </a:solidFill>
+              </a:rPr>
+              <a:t> or more </a:t>
+            </a:r>
+            <a:endParaRPr lang="en-US" dirty="0"/>
+          </a:p>
+        </p:txBody>
+      </p:sp>
+      <p:sp>
+        <p:nvSpPr>
+          <p:cNvPr id="30" name="Rectangle 29">
+            <a:extLst>
+              <a:ext uri="{FF2B5EF4-FFF2-40B4-BE49-F238E27FC236}">
+                <a16:creationId xmlns:a16="http://schemas.microsoft.com/office/drawing/2014/main" id="{8C937DA1-9082-4700-812C-811E5FAA6698}"/>
+              </a:ext>
+            </a:extLst>
+          </p:cNvPr>
+          <p:cNvSpPr/>
+          <p:nvPr/>
+        </p:nvSpPr>
+        <p:spPr>
+          <a:xfrm>
+            <a:off x="9465270" y="2775811"/>
+            <a:ext cx="1459065" cy="387283"/>
+          </a:xfrm>
+          <a:prstGeom prst="rect">
+            <a:avLst/>
+          </a:prstGeom>
+          <a:noFill/>
+          <a:ln w="57150">
+            <a:solidFill>
+              <a:schemeClr val="tx1"/>
+            </a:solidFill>
+          </a:ln>
+        </p:spPr>
+        <p:style>
+          <a:lnRef idx="2">
+            <a:schemeClr val="accent1">
+              <a:shade val="50000"/>
+            </a:schemeClr>
+          </a:lnRef>
+          <a:fillRef idx="1">
+            <a:schemeClr val="accent1"/>
+          </a:fillRef>
+          <a:effectRef idx="0">
+            <a:schemeClr val="accent1"/>
+          </a:effectRef>
+          <a:fontRef idx="minor">
+            <a:schemeClr val="lt1"/>
+          </a:fontRef>
+        </p:style>
+        <p:txBody>
+          <a:bodyPr rtlCol="0" anchor="ctr"/>
+          <a:lstStyle/>
+          <a:p>
+            <a:pPr algn="ctr"/>
+            <a:endParaRPr lang="en-US"/>
+          </a:p>
+        </p:txBody>
+      </p:sp>
+      <p:sp>
+        <p:nvSpPr>
+          <p:cNvPr id="31" name="TextBox 30">
+            <a:extLst>
+              <a:ext uri="{FF2B5EF4-FFF2-40B4-BE49-F238E27FC236}">
+                <a16:creationId xmlns:a16="http://schemas.microsoft.com/office/drawing/2014/main" id="{F79C316D-19ED-442C-89F0-DF0E6183188F}"/>
+              </a:ext>
+            </a:extLst>
+          </p:cNvPr>
+          <p:cNvSpPr txBox="1"/>
+          <p:nvPr/>
+        </p:nvSpPr>
+        <p:spPr>
+          <a:xfrm>
+            <a:off x="70751" y="4941286"/>
+            <a:ext cx="12192000" cy="1938992"/>
+          </a:xfrm>
+          <a:prstGeom prst="rect">
+            <a:avLst/>
+          </a:prstGeom>
+          <a:noFill/>
+        </p:spPr>
+        <p:txBody>
+          <a:bodyPr wrap="square" rtlCol="0">
+            <a:spAutoFit/>
+          </a:bodyPr>
+          <a:lstStyle/>
+          <a:p>
+            <a:pPr algn="ctr"/>
+            <a:r>
+              <a:rPr lang="en-US" sz="2400" dirty="0"/>
+              <a:t>Like before, whenever you collect more than </a:t>
+            </a:r>
+            <a:r>
               <a:rPr lang="en-US" sz="2400" b="1" dirty="0">
                 <a:solidFill>
+                  <a:schemeClr val="accent6"/>
+                </a:solidFill>
+              </a:rPr>
+              <a:t>10¢ </a:t>
+            </a:r>
+            <a:r>
+              <a:rPr lang="en-US" sz="2400" dirty="0"/>
+              <a:t>in a round the money will be added to your </a:t>
+            </a:r>
+            <a:r>
+              <a:rPr lang="en-US" sz="2400" b="1" dirty="0"/>
+              <a:t>Total Bonus Payment. </a:t>
+            </a:r>
+            <a:r>
+              <a:rPr lang="en-US" sz="2400" dirty="0"/>
+              <a:t>You will only find out your </a:t>
+            </a:r>
+            <a:r>
+              <a:rPr lang="en-US" sz="2400" b="1" dirty="0"/>
+              <a:t>Total Bonus Payment </a:t>
+            </a:r>
+            <a:r>
+              <a:rPr lang="en-US" sz="2400" dirty="0"/>
+              <a:t>at the end of the experiment.</a:t>
+            </a:r>
+          </a:p>
+          <a:p>
+            <a:pPr algn="ctr"/>
+            <a:endParaRPr lang="en-US" sz="2400" dirty="0"/>
+          </a:p>
+          <a:p>
+            <a:pPr algn="ctr"/>
+            <a:endParaRPr lang="en-US" sz="2400" dirty="0"/>
+          </a:p>
+        </p:txBody>
+      </p:sp>
+      <p:sp>
+        <p:nvSpPr>
+          <p:cNvPr id="38" name="TextBox 37">
+            <a:extLst>
+              <a:ext uri="{FF2B5EF4-FFF2-40B4-BE49-F238E27FC236}">
+                <a16:creationId xmlns:a16="http://schemas.microsoft.com/office/drawing/2014/main" id="{A66C6D89-15D5-4F5F-BC96-E54C99561DFA}"/>
+              </a:ext>
+            </a:extLst>
+          </p:cNvPr>
+          <p:cNvSpPr txBox="1"/>
+          <p:nvPr/>
+        </p:nvSpPr>
+        <p:spPr>
+          <a:xfrm>
+            <a:off x="9635162" y="2821173"/>
+            <a:ext cx="1106392" cy="338554"/>
+          </a:xfrm>
+          <a:prstGeom prst="rect">
+            <a:avLst/>
+          </a:prstGeom>
+          <a:noFill/>
+        </p:spPr>
+        <p:txBody>
+          <a:bodyPr wrap="square" rtlCol="0">
+            <a:spAutoFit/>
+          </a:bodyPr>
+          <a:lstStyle/>
+          <a:p>
+            <a:pPr algn="ctr"/>
+            <a:r>
+              <a:rPr lang="en-US" sz="800" b="1" dirty="0">
+                <a:solidFill>
                   <a:srgbClr val="FF0000"/>
                 </a:solidFill>
               </a:rPr>
-              <a:t>HINT:</a:t>
-            </a:r>
-            <a:r>
-              <a:rPr lang="en-US" sz="2400" b="1" i="1" dirty="0">
+              <a:t>Search For Money!</a:t>
+            </a:r>
+          </a:p>
+          <a:p>
+            <a:pPr algn="ctr"/>
+            <a:r>
+              <a:rPr lang="en-US" sz="800" b="1" dirty="0">
                 <a:solidFill>
                   <a:srgbClr val="FF0000"/>
                 </a:solidFill>
               </a:rPr>
-              <a:t> </a:t>
-            </a:r>
-            <a:r>
-              <a:rPr lang="en-US" sz="2400" dirty="0">
-                <a:solidFill>
-                  <a:srgbClr val="FF0000"/>
-                </a:solidFill>
-              </a:rPr>
-              <a:t>Use what you</a:t>
-            </a:r>
-            <a:r>
-              <a:rPr lang="zh-CN" altLang="en-US" sz="2400" dirty="0">
-                <a:solidFill>
-                  <a:srgbClr val="FF0000"/>
-                </a:solidFill>
-              </a:rPr>
-              <a:t> </a:t>
-            </a:r>
-            <a:r>
-              <a:rPr lang="en-US" altLang="zh-CN" sz="2400" dirty="0">
-                <a:solidFill>
-                  <a:srgbClr val="FF0000"/>
-                </a:solidFill>
-              </a:rPr>
-              <a:t>previously</a:t>
-            </a:r>
-            <a:r>
-              <a:rPr lang="en-US" sz="2400" dirty="0">
-                <a:solidFill>
-                  <a:srgbClr val="FF0000"/>
-                </a:solidFill>
-              </a:rPr>
-              <a:t> learned to guide your search!</a:t>
-            </a:r>
-            <a:endParaRPr lang="en-US" sz="2400" dirty="0"/>
+              <a:t>No Feedback Round</a:t>
+            </a:r>
           </a:p>
         </p:txBody>
       </p:sp>
     </p:spTree>
     <p:extLst>
       <p:ext uri="{BB962C8B-B14F-4D97-AF65-F5344CB8AC3E}">
-        <p14:creationId xmlns:p14="http://schemas.microsoft.com/office/powerpoint/2010/main" val="2104939131"/>
+        <p14:creationId xmlns:p14="http://schemas.microsoft.com/office/powerpoint/2010/main" val="858225060"/>
       </p:ext>
     </p:extLst>
   </p:cSld>
@@ -4400,8 +4916,8 @@
         </p:nvSpPr>
         <p:spPr>
           <a:xfrm>
-            <a:off x="838200" y="560911"/>
-            <a:ext cx="10515600" cy="5353010"/>
+            <a:off x="838200" y="214124"/>
+            <a:ext cx="10515600" cy="2289819"/>
           </a:xfrm>
         </p:spPr>
         <p:txBody>
@@ -4414,8 +4930,8 @@
               <a:buNone/>
             </a:pPr>
             <a:r>
-              <a:rPr lang="en-US" sz="4400" b="1" dirty="0"/>
-              <a:t>Great job!</a:t>
+              <a:rPr lang="en-US" sz="3600" b="1" dirty="0"/>
+              <a:t>Hint!</a:t>
             </a:r>
           </a:p>
           <a:p>
@@ -4423,151 +4939,195 @@
               <a:buNone/>
             </a:pPr>
             <a:r>
-              <a:rPr lang="en-US" sz="4400" dirty="0"/>
-              <a:t>You’ve completed the </a:t>
-            </a:r>
-            <a:r>
-              <a:rPr lang="en-US" altLang="zh-CN" sz="4400" b="1" dirty="0"/>
-              <a:t>first</a:t>
-            </a:r>
-            <a:r>
-              <a:rPr lang="zh-CN" altLang="en-US" sz="4400" b="1" dirty="0"/>
-              <a:t> </a:t>
-            </a:r>
-            <a:r>
-              <a:rPr lang="en-US" altLang="zh-CN" sz="4400" b="1" dirty="0"/>
-              <a:t>task</a:t>
-            </a:r>
-            <a:r>
-              <a:rPr lang="en-US" sz="4400" dirty="0"/>
-              <a:t>!</a:t>
-            </a:r>
-          </a:p>
-          <a:p>
-            <a:pPr marL="0" indent="0" algn="ctr">
+              <a:rPr lang="en-US" sz="2400" dirty="0"/>
+              <a:t>There is an </a:t>
+            </a:r>
+            <a:r>
+              <a:rPr lang="en-US" sz="2400" b="1" dirty="0"/>
+              <a:t>UNLIMITED</a:t>
+            </a:r>
+            <a:r>
+              <a:rPr lang="en-US" sz="2400" dirty="0"/>
+              <a:t> amount of money to collect in each round so the more you move around in the </a:t>
+            </a:r>
+            <a:r>
+              <a:rPr lang="en-US" sz="2400" b="1" dirty="0"/>
+              <a:t>correct area </a:t>
+            </a:r>
+            <a:r>
+              <a:rPr lang="en-US" sz="2400" dirty="0"/>
+              <a:t>the more money you will collect!!</a:t>
+            </a:r>
+          </a:p>
+          <a:p>
+            <a:pPr marL="0" indent="0">
               <a:buNone/>
             </a:pPr>
             <a:r>
-              <a:rPr lang="en-US" sz="4400" b="1" u="sng" dirty="0">
+              <a:rPr lang="en-US" altLang="zh-CN" sz="2400" dirty="0"/>
+              <a:t>	</a:t>
+            </a:r>
+            <a:endParaRPr lang="en-US" sz="2400" dirty="0"/>
+          </a:p>
+        </p:txBody>
+      </p:sp>
+      <p:pic>
+        <p:nvPicPr>
+          <p:cNvPr id="4" name="Graphic 3">
+            <a:extLst>
+              <a:ext uri="{FF2B5EF4-FFF2-40B4-BE49-F238E27FC236}">
+                <a16:creationId xmlns:a16="http://schemas.microsoft.com/office/drawing/2014/main" id="{30B4095E-A768-4F7D-AE1E-19AFE70C964D}"/>
+              </a:ext>
+            </a:extLst>
+          </p:cNvPr>
+          <p:cNvPicPr>
+            <a:picLocks noChangeAspect="1"/>
+          </p:cNvPicPr>
+          <p:nvPr/>
+        </p:nvPicPr>
+        <p:blipFill>
+          <a:blip r:embed="rId2">
+            <a:extLst>
+              <a:ext uri="{96DAC541-7B7A-43D3-8B79-37D633B846F1}">
+                <asvg:svgBlip xmlns:asvg="http://schemas.microsoft.com/office/drawing/2016/SVG/main" r:embed="rId3"/>
+              </a:ext>
+            </a:extLst>
+          </a:blip>
+          <a:stretch>
+            <a:fillRect/>
+          </a:stretch>
+        </p:blipFill>
+        <p:spPr>
+          <a:xfrm>
+            <a:off x="4700431" y="1604731"/>
+            <a:ext cx="2981968" cy="3091946"/>
+          </a:xfrm>
+          <a:prstGeom prst="rect">
+            <a:avLst/>
+          </a:prstGeom>
+        </p:spPr>
+      </p:pic>
+      <p:sp>
+        <p:nvSpPr>
+          <p:cNvPr id="5" name="TextBox 4">
+            <a:extLst>
+              <a:ext uri="{FF2B5EF4-FFF2-40B4-BE49-F238E27FC236}">
+                <a16:creationId xmlns:a16="http://schemas.microsoft.com/office/drawing/2014/main" id="{C90443A8-C790-8F41-961F-A4C6E081D236}"/>
+              </a:ext>
+            </a:extLst>
+          </p:cNvPr>
+          <p:cNvSpPr txBox="1"/>
+          <p:nvPr/>
+        </p:nvSpPr>
+        <p:spPr>
+          <a:xfrm>
+            <a:off x="3886467" y="6182211"/>
+            <a:ext cx="4782193" cy="461665"/>
+          </a:xfrm>
+          <a:prstGeom prst="rect">
+            <a:avLst/>
+          </a:prstGeom>
+          <a:noFill/>
+        </p:spPr>
+        <p:txBody>
+          <a:bodyPr wrap="square" rtlCol="0">
+            <a:spAutoFit/>
+          </a:bodyPr>
+          <a:lstStyle/>
+          <a:p>
+            <a:pPr algn="ctr"/>
+            <a:r>
+              <a:rPr lang="en-US" sz="2400" b="1" dirty="0">
+                <a:solidFill>
+                  <a:schemeClr val="accent6"/>
+                </a:solidFill>
+              </a:rPr>
+              <a:t>Do you have any questions?</a:t>
+            </a:r>
+          </a:p>
+        </p:txBody>
+      </p:sp>
+      <p:sp>
+        <p:nvSpPr>
+          <p:cNvPr id="6" name="TextBox 5">
+            <a:extLst>
+              <a:ext uri="{FF2B5EF4-FFF2-40B4-BE49-F238E27FC236}">
+                <a16:creationId xmlns:a16="http://schemas.microsoft.com/office/drawing/2014/main" id="{239D6A3B-674D-4EB1-918F-002CAF5E5EAA}"/>
+              </a:ext>
+            </a:extLst>
+          </p:cNvPr>
+          <p:cNvSpPr txBox="1"/>
+          <p:nvPr/>
+        </p:nvSpPr>
+        <p:spPr>
+          <a:xfrm>
+            <a:off x="0" y="4971607"/>
+            <a:ext cx="12192000" cy="1323439"/>
+          </a:xfrm>
+          <a:prstGeom prst="rect">
+            <a:avLst/>
+          </a:prstGeom>
+          <a:noFill/>
+        </p:spPr>
+        <p:txBody>
+          <a:bodyPr wrap="square" rtlCol="0">
+            <a:spAutoFit/>
+          </a:bodyPr>
+          <a:lstStyle/>
+          <a:p>
+            <a:pPr algn="ctr"/>
+            <a:r>
+              <a:rPr lang="en-US" sz="2800" dirty="0">
                 <a:solidFill>
                   <a:srgbClr val="FF0000"/>
                 </a:solidFill>
               </a:rPr>
-              <a:t>PLEASE NOTIFY THE EXPERIMENTER!!!</a:t>
-            </a:r>
-          </a:p>
-          <a:p>
-            <a:pPr marL="0" indent="0" algn="ctr">
-              <a:buNone/>
-            </a:pPr>
+              <a:t>Use what you learned about the </a:t>
+            </a:r>
+            <a:r>
+              <a:rPr lang="en-US" sz="2800" b="1" dirty="0">
+                <a:solidFill>
+                  <a:srgbClr val="FF0000"/>
+                </a:solidFill>
+              </a:rPr>
+              <a:t>environments</a:t>
+            </a:r>
+            <a:r>
+              <a:rPr lang="en-US" sz="2800" dirty="0">
+                <a:solidFill>
+                  <a:srgbClr val="FF0000"/>
+                </a:solidFill>
+              </a:rPr>
+              <a:t> to guide your search in the </a:t>
+            </a:r>
+            <a:r>
+              <a:rPr lang="en-US" sz="2800" b="1" dirty="0">
+                <a:solidFill>
+                  <a:srgbClr val="FF0000"/>
+                </a:solidFill>
+              </a:rPr>
+              <a:t>new variations</a:t>
+            </a:r>
+            <a:r>
+              <a:rPr lang="en-US" sz="2800" dirty="0">
+                <a:solidFill>
+                  <a:srgbClr val="FF0000"/>
+                </a:solidFill>
+              </a:rPr>
+              <a:t>!</a:t>
+            </a:r>
+            <a:endParaRPr lang="en-US" sz="2800" dirty="0"/>
+          </a:p>
+          <a:p>
+            <a:pPr algn="ctr"/>
             <a:endParaRPr lang="en-US" sz="2400" dirty="0"/>
-          </a:p>
-          <a:p>
-            <a:pPr marL="0" indent="0" algn="ctr">
-              <a:buNone/>
-            </a:pPr>
-            <a:r>
-              <a:rPr lang="en-US" sz="3000" dirty="0"/>
-              <a:t>let’s move on to the </a:t>
-            </a:r>
-            <a:r>
-              <a:rPr lang="en-US" altLang="zh-CN" sz="3000" b="1" dirty="0"/>
-              <a:t>FIND</a:t>
-            </a:r>
-            <a:r>
-              <a:rPr lang="zh-CN" altLang="en-US" sz="3000" b="1" dirty="0"/>
-              <a:t> </a:t>
-            </a:r>
-            <a:r>
-              <a:rPr lang="en-US" altLang="zh-CN" sz="3000" b="1" dirty="0"/>
-              <a:t>THE</a:t>
-            </a:r>
-            <a:r>
-              <a:rPr lang="zh-CN" altLang="en-US" sz="3000" b="1" dirty="0"/>
-              <a:t> </a:t>
-            </a:r>
-            <a:r>
-              <a:rPr lang="en-US" altLang="zh-CN" sz="3000" b="1" dirty="0"/>
-              <a:t>TROPHY</a:t>
-            </a:r>
-            <a:r>
-              <a:rPr lang="zh-CN" altLang="en-US" sz="3000" b="1" dirty="0"/>
-              <a:t> </a:t>
-            </a:r>
-            <a:r>
-              <a:rPr lang="en-US" sz="3000" dirty="0"/>
-              <a:t>section!</a:t>
-            </a:r>
-            <a:endParaRPr lang="en-US" sz="3000" b="1" dirty="0"/>
-          </a:p>
-          <a:p>
-            <a:pPr marL="4400550" lvl="8" indent="-742950">
-              <a:buFont typeface="+mj-lt"/>
-              <a:buAutoNum type="arabicPeriod"/>
-            </a:pPr>
-            <a:r>
-              <a:rPr lang="en-US" altLang="zh-CN" sz="3000" strike="sngStrike" dirty="0"/>
-              <a:t>Bonus</a:t>
-            </a:r>
-            <a:r>
-              <a:rPr lang="zh-CN" altLang="en-US" sz="3000" strike="sngStrike" dirty="0"/>
-              <a:t> </a:t>
-            </a:r>
-            <a:r>
-              <a:rPr lang="en-US" altLang="zh-CN" sz="3000" strike="sngStrike" dirty="0"/>
-              <a:t>Pay</a:t>
-            </a:r>
-            <a:endParaRPr lang="en-US" sz="3000" strike="sngStrike" dirty="0"/>
-          </a:p>
-          <a:p>
-            <a:pPr marL="4400550" lvl="8" indent="-742950">
-              <a:buFont typeface="+mj-lt"/>
-              <a:buAutoNum type="arabicPeriod"/>
-            </a:pPr>
-            <a:r>
-              <a:rPr lang="en-US" altLang="zh-CN" sz="3000" b="1" dirty="0"/>
-              <a:t>Find</a:t>
-            </a:r>
-            <a:r>
-              <a:rPr lang="zh-CN" altLang="en-US" sz="3000" b="1" dirty="0"/>
-              <a:t> </a:t>
-            </a:r>
-            <a:r>
-              <a:rPr lang="en-US" altLang="zh-CN" sz="3000" b="1" dirty="0"/>
-              <a:t>the</a:t>
-            </a:r>
-            <a:r>
-              <a:rPr lang="zh-CN" altLang="en-US" sz="3000" b="1" dirty="0"/>
-              <a:t> </a:t>
-            </a:r>
-            <a:r>
-              <a:rPr lang="en-US" altLang="zh-CN" sz="3000" b="1" dirty="0"/>
-              <a:t>Trophy</a:t>
-            </a:r>
-          </a:p>
-          <a:p>
-            <a:pPr marL="4400550" lvl="8" indent="-742950">
-              <a:buFont typeface="+mj-lt"/>
-              <a:buAutoNum type="arabicPeriod"/>
-            </a:pPr>
-            <a:r>
-              <a:rPr lang="en-US" altLang="zh-CN" sz="3000" b="1" dirty="0"/>
-              <a:t>Questionnaire</a:t>
-            </a:r>
-            <a:endParaRPr lang="en-US" b="1" dirty="0"/>
-          </a:p>
-          <a:p>
-            <a:pPr marL="0" indent="0" algn="ctr">
-              <a:buNone/>
-            </a:pPr>
-            <a:endParaRPr lang="en-US" dirty="0"/>
           </a:p>
         </p:txBody>
       </p:sp>
     </p:spTree>
     <p:extLst>
       <p:ext uri="{BB962C8B-B14F-4D97-AF65-F5344CB8AC3E}">
-        <p14:creationId xmlns:p14="http://schemas.microsoft.com/office/powerpoint/2010/main" val="41752197"/>
+        <p14:creationId xmlns:p14="http://schemas.microsoft.com/office/powerpoint/2010/main" val="3529043081"/>
       </p:ext>
     </p:extLst>
   </p:cSld>
@@ -4580,6 +5140,14 @@
 <file path=ppt/slides/slide12.xml><?xml version="1.0" encoding="utf-8"?>
 <p:sld xmlns:a="http://schemas.openxmlformats.org/drawingml/2006/main" xmlns:r="http://schemas.openxmlformats.org/officeDocument/2006/relationships" xmlns:p="http://schemas.openxmlformats.org/presentationml/2006/main">
   <p:cSld>
+    <p:bg>
+      <p:bgPr>
+        <a:solidFill>
+          <a:schemeClr val="bg1"/>
+        </a:solidFill>
+        <a:effectLst/>
+      </p:bgPr>
+    </p:bg>
     <p:spTree>
       <p:nvGrpSpPr>
         <p:cNvPr id="1" name=""/>
@@ -4594,121 +5162,89 @@
           <a:chExt cx="0" cy="0"/>
         </a:xfrm>
       </p:grpSpPr>
-      <p:sp>
-        <p:nvSpPr>
-          <p:cNvPr id="3" name="Content Placeholder 2">
-            <a:extLst>
-              <a:ext uri="{FF2B5EF4-FFF2-40B4-BE49-F238E27FC236}">
-                <a16:creationId xmlns:a16="http://schemas.microsoft.com/office/drawing/2014/main" id="{F30CF4C7-88AC-4C0C-82FC-A71F5AFC0F44}"/>
-              </a:ext>
-            </a:extLst>
-          </p:cNvPr>
-          <p:cNvSpPr>
-            <a:spLocks noGrp="1"/>
-          </p:cNvSpPr>
-          <p:nvPr>
-            <p:ph idx="1"/>
-          </p:nvPr>
-        </p:nvSpPr>
+      <p:pic>
+        <p:nvPicPr>
+          <p:cNvPr id="4" name="Picture 3">
+            <a:extLst>
+              <a:ext uri="{FF2B5EF4-FFF2-40B4-BE49-F238E27FC236}">
+                <a16:creationId xmlns:a16="http://schemas.microsoft.com/office/drawing/2014/main" id="{6A69BB50-160E-4A21-8064-11D6A17AFFDC}"/>
+              </a:ext>
+            </a:extLst>
+          </p:cNvPr>
+          <p:cNvPicPr>
+            <a:picLocks noChangeAspect="1"/>
+          </p:cNvPicPr>
+          <p:nvPr/>
+        </p:nvPicPr>
+        <p:blipFill rotWithShape="1">
+          <a:blip r:embed="rId2"/>
+          <a:srcRect r="888" b="-1"/>
+          <a:stretch/>
+        </p:blipFill>
         <p:spPr>
           <a:xfrm>
-            <a:off x="433137" y="1022576"/>
-            <a:ext cx="10920663" cy="5353010"/>
-          </a:xfrm>
+            <a:off x="20" y="10"/>
+            <a:ext cx="12191980" cy="6857990"/>
+          </a:xfrm>
+          <a:prstGeom prst="rect">
+            <a:avLst/>
+          </a:prstGeom>
         </p:spPr>
-        <p:txBody>
-          <a:bodyPr>
-            <a:normAutofit/>
+      </p:pic>
+      <p:sp>
+        <p:nvSpPr>
+          <p:cNvPr id="5" name="TextBox 4">
+            <a:extLst>
+              <a:ext uri="{FF2B5EF4-FFF2-40B4-BE49-F238E27FC236}">
+                <a16:creationId xmlns:a16="http://schemas.microsoft.com/office/drawing/2014/main" id="{B13B9EC2-25B6-4C9A-BA78-9B94C426A71E}"/>
+              </a:ext>
+            </a:extLst>
+          </p:cNvPr>
+          <p:cNvSpPr txBox="1"/>
+          <p:nvPr/>
+        </p:nvSpPr>
+        <p:spPr>
+          <a:xfrm>
+            <a:off x="2432593" y="2644170"/>
+            <a:ext cx="7326814" cy="1569660"/>
+          </a:xfrm>
+          <a:prstGeom prst="rect">
+            <a:avLst/>
+          </a:prstGeom>
+          <a:noFill/>
+        </p:spPr>
+        <p:txBody>
+          <a:bodyPr wrap="none" rtlCol="0">
+            <a:spAutoFit/>
           </a:bodyPr>
           <a:lstStyle/>
           <a:p>
-            <a:pPr marL="0" indent="0" algn="ctr">
-              <a:buNone/>
-            </a:pPr>
-            <a:r>
-              <a:rPr lang="en-US" sz="4400" b="1" dirty="0"/>
-              <a:t>Great job!</a:t>
-            </a:r>
-          </a:p>
-          <a:p>
-            <a:pPr marL="0" indent="0" algn="ctr">
-              <a:buNone/>
-            </a:pPr>
-            <a:r>
-              <a:rPr lang="en-US" sz="4400" dirty="0"/>
-              <a:t>You</a:t>
-            </a:r>
-            <a:r>
-              <a:rPr lang="zh-CN" altLang="en-US" sz="4400" dirty="0"/>
-              <a:t> </a:t>
-            </a:r>
-            <a:r>
-              <a:rPr lang="en-US" altLang="zh-CN" sz="4400" dirty="0"/>
-              <a:t>have</a:t>
-            </a:r>
-            <a:r>
-              <a:rPr lang="zh-CN" altLang="en-US" sz="4400" dirty="0"/>
-              <a:t> </a:t>
-            </a:r>
-            <a:r>
-              <a:rPr lang="en-US" altLang="zh-CN" sz="4400" dirty="0"/>
-              <a:t>only</a:t>
-            </a:r>
-            <a:r>
-              <a:rPr lang="zh-CN" altLang="en-US" sz="4400" dirty="0"/>
-              <a:t> </a:t>
-            </a:r>
-            <a:r>
-              <a:rPr lang="en-US" altLang="zh-CN" sz="4400" dirty="0"/>
-              <a:t>one</a:t>
-            </a:r>
-            <a:r>
-              <a:rPr lang="zh-CN" altLang="en-US" sz="4400" dirty="0"/>
-              <a:t> </a:t>
-            </a:r>
-            <a:r>
-              <a:rPr lang="en-US" altLang="zh-CN" sz="4400" dirty="0"/>
-              <a:t>questionnaire</a:t>
-            </a:r>
-            <a:r>
-              <a:rPr lang="zh-CN" altLang="en-US" sz="4400" dirty="0"/>
-              <a:t> </a:t>
-            </a:r>
-            <a:r>
-              <a:rPr lang="en-US" altLang="zh-CN" sz="4400" dirty="0"/>
-              <a:t>to</a:t>
-            </a:r>
-            <a:r>
-              <a:rPr lang="zh-CN" altLang="en-US" sz="4400" dirty="0"/>
-              <a:t> </a:t>
-            </a:r>
-            <a:r>
-              <a:rPr lang="en-US" altLang="zh-CN" sz="4400" dirty="0"/>
-              <a:t>complete</a:t>
-            </a:r>
-            <a:r>
-              <a:rPr lang="en-US" sz="4400" dirty="0"/>
-              <a:t>!</a:t>
-            </a:r>
-          </a:p>
-          <a:p>
-            <a:pPr marL="3657600" lvl="8" indent="0">
-              <a:buNone/>
-            </a:pPr>
-            <a:endParaRPr lang="en-US" sz="500" b="1" dirty="0"/>
-          </a:p>
-          <a:p>
-            <a:pPr marL="0" indent="0" algn="ctr">
-              <a:buNone/>
-            </a:pPr>
-            <a:endParaRPr lang="en-US" dirty="0"/>
-          </a:p>
-          <a:p>
-            <a:pPr marL="0" indent="0" algn="ctr">
-              <a:buNone/>
-            </a:pPr>
-            <a:r>
-              <a:rPr lang="en-US" sz="4400" b="1" dirty="0"/>
+            <a:pPr algn="ctr"/>
+            <a:r>
+              <a:rPr lang="en-US" sz="3200" b="1" dirty="0">
+                <a:solidFill>
+                  <a:schemeClr val="bg1"/>
+                </a:solidFill>
+              </a:rPr>
+              <a:t>Great Work!! You earned $5 in Bonus pay!</a:t>
+            </a:r>
+          </a:p>
+          <a:p>
+            <a:pPr algn="ctr"/>
+            <a:endParaRPr lang="en-US" sz="3200" b="1" dirty="0">
+              <a:solidFill>
+                <a:schemeClr val="bg1"/>
+              </a:solidFill>
+            </a:endParaRPr>
+          </a:p>
+          <a:p>
+            <a:pPr algn="ctr"/>
+            <a:r>
+              <a:rPr lang="en-US" sz="3200" b="1" dirty="0">
+                <a:solidFill>
+                  <a:schemeClr val="bg1"/>
+                </a:solidFill>
+              </a:rPr>
               <a:t>PLEASE NOTIFY THE EXPERIMENTER</a:t>
             </a:r>
           </a:p>
@@ -4717,7 +5253,7 @@
     </p:spTree>
     <p:extLst>
       <p:ext uri="{BB962C8B-B14F-4D97-AF65-F5344CB8AC3E}">
-        <p14:creationId xmlns:p14="http://schemas.microsoft.com/office/powerpoint/2010/main" val="3354356793"/>
+        <p14:creationId xmlns:p14="http://schemas.microsoft.com/office/powerpoint/2010/main" val="1586274928"/>
       </p:ext>
     </p:extLst>
   </p:cSld>
@@ -4746,58 +5282,272 @@
       </p:grpSpPr>
       <p:sp>
         <p:nvSpPr>
-          <p:cNvPr id="2" name="Title 1">
-            <a:extLst>
-              <a:ext uri="{FF2B5EF4-FFF2-40B4-BE49-F238E27FC236}">
-                <a16:creationId xmlns:a16="http://schemas.microsoft.com/office/drawing/2014/main" id="{4B97B0E3-367B-D646-AF20-3125934EC08A}"/>
-              </a:ext>
-            </a:extLst>
-          </p:cNvPr>
-          <p:cNvSpPr>
-            <a:spLocks noGrp="1"/>
+          <p:cNvPr id="5" name="Content Placeholder 2">
+            <a:extLst>
+              <a:ext uri="{FF2B5EF4-FFF2-40B4-BE49-F238E27FC236}">
+                <a16:creationId xmlns:a16="http://schemas.microsoft.com/office/drawing/2014/main" id="{CCD9224A-4517-4F83-92CA-CA909366EFAA}"/>
+              </a:ext>
+            </a:extLst>
+          </p:cNvPr>
+          <p:cNvSpPr txBox="1">
+            <a:spLocks/>
           </p:cNvSpPr>
-          <p:nvPr>
-            <p:ph type="title"/>
-          </p:nvPr>
-        </p:nvSpPr>
-        <p:spPr/>
-        <p:txBody>
-          <a:bodyPr/>
-          <a:lstStyle/>
-          <a:p>
-            <a:endParaRPr lang="en-US"/>
-          </a:p>
-        </p:txBody>
-      </p:sp>
-      <p:sp>
-        <p:nvSpPr>
-          <p:cNvPr id="3" name="Content Placeholder 2">
-            <a:extLst>
-              <a:ext uri="{FF2B5EF4-FFF2-40B4-BE49-F238E27FC236}">
-                <a16:creationId xmlns:a16="http://schemas.microsoft.com/office/drawing/2014/main" id="{CB5AA248-9FB2-A14F-A503-CFF77996244A}"/>
-              </a:ext>
-            </a:extLst>
-          </p:cNvPr>
-          <p:cNvSpPr>
-            <a:spLocks noGrp="1"/>
-          </p:cNvSpPr>
-          <p:nvPr>
-            <p:ph idx="1"/>
-          </p:nvPr>
-        </p:nvSpPr>
-        <p:spPr/>
-        <p:txBody>
-          <a:bodyPr/>
-          <a:lstStyle/>
-          <a:p>
-            <a:endParaRPr lang="en-US"/>
+          <p:nvPr/>
+        </p:nvSpPr>
+        <p:spPr>
+          <a:xfrm>
+            <a:off x="553941" y="560911"/>
+            <a:ext cx="11084118" cy="5353010"/>
+          </a:xfrm>
+          <a:prstGeom prst="rect">
+            <a:avLst/>
+          </a:prstGeom>
+        </p:spPr>
+        <p:txBody>
+          <a:bodyPr vert="horz" lIns="91440" tIns="45720" rIns="91440" bIns="45720" rtlCol="0">
+            <a:normAutofit/>
+          </a:bodyPr>
+          <a:lstStyle>
+            <a:lvl1pPr marL="228600" indent="-228600" algn="l" defTabSz="914400" rtl="0" eaLnBrk="1" latinLnBrk="0" hangingPunct="1">
+              <a:lnSpc>
+                <a:spcPct val="90000"/>
+              </a:lnSpc>
+              <a:spcBef>
+                <a:spcPts val="1000"/>
+              </a:spcBef>
+              <a:buFont typeface="Arial" panose="020B0604020202020204" pitchFamily="34" charset="0"/>
+              <a:buChar char="•"/>
+              <a:defRPr sz="2800" kern="1200">
+                <a:solidFill>
+                  <a:schemeClr val="tx1"/>
+                </a:solidFill>
+                <a:latin typeface="+mn-lt"/>
+                <a:ea typeface="+mn-ea"/>
+                <a:cs typeface="+mn-cs"/>
+              </a:defRPr>
+            </a:lvl1pPr>
+            <a:lvl2pPr marL="685800" indent="-228600" algn="l" defTabSz="914400" rtl="0" eaLnBrk="1" latinLnBrk="0" hangingPunct="1">
+              <a:lnSpc>
+                <a:spcPct val="90000"/>
+              </a:lnSpc>
+              <a:spcBef>
+                <a:spcPts val="500"/>
+              </a:spcBef>
+              <a:buFont typeface="Arial" panose="020B0604020202020204" pitchFamily="34" charset="0"/>
+              <a:buChar char="•"/>
+              <a:defRPr sz="2400" kern="1200">
+                <a:solidFill>
+                  <a:schemeClr val="tx1"/>
+                </a:solidFill>
+                <a:latin typeface="+mn-lt"/>
+                <a:ea typeface="+mn-ea"/>
+                <a:cs typeface="+mn-cs"/>
+              </a:defRPr>
+            </a:lvl2pPr>
+            <a:lvl3pPr marL="1143000" indent="-228600" algn="l" defTabSz="914400" rtl="0" eaLnBrk="1" latinLnBrk="0" hangingPunct="1">
+              <a:lnSpc>
+                <a:spcPct val="90000"/>
+              </a:lnSpc>
+              <a:spcBef>
+                <a:spcPts val="500"/>
+              </a:spcBef>
+              <a:buFont typeface="Arial" panose="020B0604020202020204" pitchFamily="34" charset="0"/>
+              <a:buChar char="•"/>
+              <a:defRPr sz="2000" kern="1200">
+                <a:solidFill>
+                  <a:schemeClr val="tx1"/>
+                </a:solidFill>
+                <a:latin typeface="+mn-lt"/>
+                <a:ea typeface="+mn-ea"/>
+                <a:cs typeface="+mn-cs"/>
+              </a:defRPr>
+            </a:lvl3pPr>
+            <a:lvl4pPr marL="1600200" indent="-228600" algn="l" defTabSz="914400" rtl="0" eaLnBrk="1" latinLnBrk="0" hangingPunct="1">
+              <a:lnSpc>
+                <a:spcPct val="90000"/>
+              </a:lnSpc>
+              <a:spcBef>
+                <a:spcPts val="500"/>
+              </a:spcBef>
+              <a:buFont typeface="Arial" panose="020B0604020202020204" pitchFamily="34" charset="0"/>
+              <a:buChar char="•"/>
+              <a:defRPr sz="1800" kern="1200">
+                <a:solidFill>
+                  <a:schemeClr val="tx1"/>
+                </a:solidFill>
+                <a:latin typeface="+mn-lt"/>
+                <a:ea typeface="+mn-ea"/>
+                <a:cs typeface="+mn-cs"/>
+              </a:defRPr>
+            </a:lvl4pPr>
+            <a:lvl5pPr marL="2057400" indent="-228600" algn="l" defTabSz="914400" rtl="0" eaLnBrk="1" latinLnBrk="0" hangingPunct="1">
+              <a:lnSpc>
+                <a:spcPct val="90000"/>
+              </a:lnSpc>
+              <a:spcBef>
+                <a:spcPts val="500"/>
+              </a:spcBef>
+              <a:buFont typeface="Arial" panose="020B0604020202020204" pitchFamily="34" charset="0"/>
+              <a:buChar char="•"/>
+              <a:defRPr sz="1800" kern="1200">
+                <a:solidFill>
+                  <a:schemeClr val="tx1"/>
+                </a:solidFill>
+                <a:latin typeface="+mn-lt"/>
+                <a:ea typeface="+mn-ea"/>
+                <a:cs typeface="+mn-cs"/>
+              </a:defRPr>
+            </a:lvl5pPr>
+            <a:lvl6pPr marL="2514600" indent="-228600" algn="l" defTabSz="914400" rtl="0" eaLnBrk="1" latinLnBrk="0" hangingPunct="1">
+              <a:lnSpc>
+                <a:spcPct val="90000"/>
+              </a:lnSpc>
+              <a:spcBef>
+                <a:spcPts val="500"/>
+              </a:spcBef>
+              <a:buFont typeface="Arial" panose="020B0604020202020204" pitchFamily="34" charset="0"/>
+              <a:buChar char="•"/>
+              <a:defRPr sz="1800" kern="1200">
+                <a:solidFill>
+                  <a:schemeClr val="tx1"/>
+                </a:solidFill>
+                <a:latin typeface="+mn-lt"/>
+                <a:ea typeface="+mn-ea"/>
+                <a:cs typeface="+mn-cs"/>
+              </a:defRPr>
+            </a:lvl6pPr>
+            <a:lvl7pPr marL="2971800" indent="-228600" algn="l" defTabSz="914400" rtl="0" eaLnBrk="1" latinLnBrk="0" hangingPunct="1">
+              <a:lnSpc>
+                <a:spcPct val="90000"/>
+              </a:lnSpc>
+              <a:spcBef>
+                <a:spcPts val="500"/>
+              </a:spcBef>
+              <a:buFont typeface="Arial" panose="020B0604020202020204" pitchFamily="34" charset="0"/>
+              <a:buChar char="•"/>
+              <a:defRPr sz="1800" kern="1200">
+                <a:solidFill>
+                  <a:schemeClr val="tx1"/>
+                </a:solidFill>
+                <a:latin typeface="+mn-lt"/>
+                <a:ea typeface="+mn-ea"/>
+                <a:cs typeface="+mn-cs"/>
+              </a:defRPr>
+            </a:lvl7pPr>
+            <a:lvl8pPr marL="3429000" indent="-228600" algn="l" defTabSz="914400" rtl="0" eaLnBrk="1" latinLnBrk="0" hangingPunct="1">
+              <a:lnSpc>
+                <a:spcPct val="90000"/>
+              </a:lnSpc>
+              <a:spcBef>
+                <a:spcPts val="500"/>
+              </a:spcBef>
+              <a:buFont typeface="Arial" panose="020B0604020202020204" pitchFamily="34" charset="0"/>
+              <a:buChar char="•"/>
+              <a:defRPr sz="1800" kern="1200">
+                <a:solidFill>
+                  <a:schemeClr val="tx1"/>
+                </a:solidFill>
+                <a:latin typeface="+mn-lt"/>
+                <a:ea typeface="+mn-ea"/>
+                <a:cs typeface="+mn-cs"/>
+              </a:defRPr>
+            </a:lvl8pPr>
+            <a:lvl9pPr marL="3886200" indent="-228600" algn="l" defTabSz="914400" rtl="0" eaLnBrk="1" latinLnBrk="0" hangingPunct="1">
+              <a:lnSpc>
+                <a:spcPct val="90000"/>
+              </a:lnSpc>
+              <a:spcBef>
+                <a:spcPts val="500"/>
+              </a:spcBef>
+              <a:buFont typeface="Arial" panose="020B0604020202020204" pitchFamily="34" charset="0"/>
+              <a:buChar char="•"/>
+              <a:defRPr sz="1800" kern="1200">
+                <a:solidFill>
+                  <a:schemeClr val="tx1"/>
+                </a:solidFill>
+                <a:latin typeface="+mn-lt"/>
+                <a:ea typeface="+mn-ea"/>
+                <a:cs typeface="+mn-cs"/>
+              </a:defRPr>
+            </a:lvl9pPr>
+          </a:lstStyle>
+          <a:p>
+            <a:pPr marL="0" indent="0" algn="ctr">
+              <a:buFont typeface="Arial" panose="020B0604020202020204" pitchFamily="34" charset="0"/>
+              <a:buNone/>
+            </a:pPr>
+            <a:endParaRPr lang="en-US" sz="4400" b="1" dirty="0"/>
+          </a:p>
+          <a:p>
+            <a:pPr marL="0" indent="0" algn="ctr">
+              <a:buFont typeface="Arial" panose="020B0604020202020204" pitchFamily="34" charset="0"/>
+              <a:buNone/>
+            </a:pPr>
+            <a:r>
+              <a:rPr lang="en-US" sz="4400" dirty="0"/>
+              <a:t>You’ve completed the </a:t>
+            </a:r>
+            <a:r>
+              <a:rPr lang="en-US" sz="4400" b="1" dirty="0"/>
+              <a:t>Bonus Pay </a:t>
+            </a:r>
+            <a:r>
+              <a:rPr lang="en-US" sz="4400" dirty="0"/>
+              <a:t>section! Let’s move on to the </a:t>
+            </a:r>
+            <a:r>
+              <a:rPr lang="en-US" sz="4400" b="1" dirty="0"/>
+              <a:t>Find the Trophy </a:t>
+            </a:r>
+            <a:r>
+              <a:rPr lang="en-US" sz="4400" dirty="0"/>
+              <a:t>Section</a:t>
+            </a:r>
+            <a:endParaRPr lang="en-US" sz="4400" b="1" dirty="0"/>
+          </a:p>
+          <a:p>
+            <a:pPr marL="4400550" lvl="8" indent="-742950">
+              <a:buFont typeface="+mj-lt"/>
+              <a:buAutoNum type="arabicPeriod"/>
+            </a:pPr>
+            <a:r>
+              <a:rPr lang="en-US" sz="4000" strike="sngStrike" dirty="0"/>
+              <a:t>Bonus Pay</a:t>
+            </a:r>
+          </a:p>
+          <a:p>
+            <a:pPr marL="4400550" lvl="8" indent="-742950">
+              <a:buFont typeface="+mj-lt"/>
+              <a:buAutoNum type="arabicPeriod"/>
+            </a:pPr>
+            <a:r>
+              <a:rPr lang="en-US" sz="4000" b="1" dirty="0"/>
+              <a:t>Find The Trophy</a:t>
+            </a:r>
+          </a:p>
+          <a:p>
+            <a:pPr marL="4400550" lvl="8" indent="-742950">
+              <a:buFont typeface="+mj-lt"/>
+              <a:buAutoNum type="arabicPeriod"/>
+            </a:pPr>
+            <a:r>
+              <a:rPr lang="en-US" sz="4000" dirty="0"/>
+              <a:t>Survey</a:t>
+            </a:r>
+          </a:p>
+          <a:p>
+            <a:pPr marL="3657600" lvl="8" indent="0">
+              <a:buFont typeface="Arial" panose="020B0604020202020204" pitchFamily="34" charset="0"/>
+              <a:buNone/>
+            </a:pPr>
+            <a:endParaRPr lang="en-US" dirty="0"/>
           </a:p>
         </p:txBody>
       </p:sp>
     </p:spTree>
     <p:extLst>
       <p:ext uri="{BB962C8B-B14F-4D97-AF65-F5344CB8AC3E}">
-        <p14:creationId xmlns:p14="http://schemas.microsoft.com/office/powerpoint/2010/main" val="975539353"/>
+        <p14:creationId xmlns:p14="http://schemas.microsoft.com/office/powerpoint/2010/main" val="41752197"/>
       </p:ext>
     </p:extLst>
   </p:cSld>
@@ -4810,6 +5560,14 @@
 <file path=ppt/slides/slide14.xml><?xml version="1.0" encoding="utf-8"?>
 <p:sld xmlns:a="http://schemas.openxmlformats.org/drawingml/2006/main" xmlns:r="http://schemas.openxmlformats.org/officeDocument/2006/relationships" xmlns:p="http://schemas.openxmlformats.org/presentationml/2006/main">
   <p:cSld>
+    <p:bg>
+      <p:bgPr>
+        <a:solidFill>
+          <a:schemeClr val="bg1"/>
+        </a:solidFill>
+        <a:effectLst/>
+      </p:bgPr>
+    </p:bg>
     <p:spTree>
       <p:nvGrpSpPr>
         <p:cNvPr id="1" name=""/>
@@ -4824,254 +5582,39 @@
           <a:chExt cx="0" cy="0"/>
         </a:xfrm>
       </p:grpSpPr>
-      <p:sp>
-        <p:nvSpPr>
-          <p:cNvPr id="3" name="Content Placeholder 2">
-            <a:extLst>
-              <a:ext uri="{FF2B5EF4-FFF2-40B4-BE49-F238E27FC236}">
-                <a16:creationId xmlns:a16="http://schemas.microsoft.com/office/drawing/2014/main" id="{0430C9B9-EB28-4B64-8460-7E63C35A00D0}"/>
-              </a:ext>
-            </a:extLst>
-          </p:cNvPr>
-          <p:cNvSpPr>
-            <a:spLocks noGrp="1"/>
-          </p:cNvSpPr>
-          <p:nvPr>
-            <p:ph idx="1"/>
-          </p:nvPr>
-        </p:nvSpPr>
+      <p:pic>
+        <p:nvPicPr>
+          <p:cNvPr id="6" name="Picture 5">
+            <a:extLst>
+              <a:ext uri="{FF2B5EF4-FFF2-40B4-BE49-F238E27FC236}">
+                <a16:creationId xmlns:a16="http://schemas.microsoft.com/office/drawing/2014/main" id="{50B260B9-156D-46DF-865E-FF0DD58BFA70}"/>
+              </a:ext>
+            </a:extLst>
+          </p:cNvPr>
+          <p:cNvPicPr>
+            <a:picLocks noChangeAspect="1"/>
+          </p:cNvPicPr>
+          <p:nvPr/>
+        </p:nvPicPr>
+        <p:blipFill rotWithShape="1">
+          <a:blip r:embed="rId2"/>
+          <a:srcRect l="444"/>
+          <a:stretch/>
+        </p:blipFill>
         <p:spPr>
           <a:xfrm>
-            <a:off x="838200" y="725075"/>
-            <a:ext cx="10515600" cy="1271382"/>
-          </a:xfrm>
-        </p:spPr>
-        <p:txBody>
-          <a:bodyPr>
-            <a:normAutofit/>
-          </a:bodyPr>
-          <a:lstStyle/>
-          <a:p>
-            <a:pPr marL="0" indent="0" algn="ctr">
-              <a:buNone/>
-            </a:pPr>
-            <a:r>
-              <a:rPr lang="en-US" sz="2400" dirty="0"/>
-              <a:t>While refamiliarizing yourself with the environments, you will be asked periodically to locate your position from a top-down viewpoint like the ones pictured below. </a:t>
-            </a:r>
-          </a:p>
-          <a:p>
-            <a:pPr marL="0" indent="0" algn="ctr">
-              <a:buNone/>
-            </a:pPr>
-            <a:endParaRPr lang="en-US" sz="2400" dirty="0"/>
-          </a:p>
-          <a:p>
-            <a:pPr marL="0" indent="0" algn="ctr">
-              <a:buNone/>
-            </a:pPr>
-            <a:endParaRPr lang="en-US" b="1" dirty="0"/>
-          </a:p>
-          <a:p>
-            <a:pPr marL="0" indent="0" algn="ctr">
-              <a:buNone/>
-            </a:pPr>
-            <a:endParaRPr lang="en-US" b="1" dirty="0"/>
-          </a:p>
-          <a:p>
-            <a:pPr marL="0" indent="0" algn="ctr">
-              <a:buNone/>
-            </a:pPr>
-            <a:endParaRPr lang="en-US" dirty="0"/>
-          </a:p>
-        </p:txBody>
-      </p:sp>
-      <p:sp>
-        <p:nvSpPr>
-          <p:cNvPr id="5" name="TextBox 4">
-            <a:extLst>
-              <a:ext uri="{FF2B5EF4-FFF2-40B4-BE49-F238E27FC236}">
-                <a16:creationId xmlns:a16="http://schemas.microsoft.com/office/drawing/2014/main" id="{8C737213-E306-4CF8-8B22-6B22CD5585CB}"/>
-              </a:ext>
-            </a:extLst>
-          </p:cNvPr>
-          <p:cNvSpPr txBox="1"/>
-          <p:nvPr/>
-        </p:nvSpPr>
-        <p:spPr>
-          <a:xfrm>
-            <a:off x="-139430" y="4690154"/>
-            <a:ext cx="12470860" cy="1569660"/>
+            <a:off x="20" y="10"/>
+            <a:ext cx="12191980" cy="6857990"/>
           </a:xfrm>
           <a:prstGeom prst="rect">
             <a:avLst/>
           </a:prstGeom>
-          <a:noFill/>
         </p:spPr>
-        <p:txBody>
-          <a:bodyPr wrap="square" rtlCol="0">
-            <a:spAutoFit/>
-          </a:bodyPr>
-          <a:lstStyle/>
-          <a:p>
-            <a:pPr algn="ctr"/>
-            <a:r>
-              <a:rPr lang="en-US" sz="2400" dirty="0"/>
-              <a:t>The </a:t>
-            </a:r>
-            <a:r>
-              <a:rPr lang="en-US" sz="2400" b="1" dirty="0">
-                <a:solidFill>
-                  <a:srgbClr val="4A5957"/>
-                </a:solidFill>
-              </a:rPr>
-              <a:t>grey triangle </a:t>
-            </a:r>
-            <a:r>
-              <a:rPr lang="en-US" sz="2400" dirty="0"/>
-              <a:t>in the middle shows the direction that you’re facing, and the controls are the same as the 3D environment. Move the </a:t>
-            </a:r>
-            <a:r>
-              <a:rPr lang="en-US" sz="2400" b="1" dirty="0">
-                <a:solidFill>
-                  <a:srgbClr val="4A5957"/>
-                </a:solidFill>
-              </a:rPr>
-              <a:t>grey triangle </a:t>
-            </a:r>
-            <a:r>
-              <a:rPr lang="en-US" sz="2400" dirty="0"/>
-              <a:t>to the last position you were in, in the 3D environment and then press the </a:t>
-            </a:r>
-            <a:r>
-              <a:rPr lang="en-US" sz="2400" b="1" dirty="0"/>
-              <a:t>Spacebar</a:t>
-            </a:r>
-            <a:r>
-              <a:rPr lang="en-US" sz="2400" dirty="0"/>
-              <a:t>.</a:t>
-            </a:r>
-            <a:endParaRPr lang="en-US" sz="2400" b="1" dirty="0"/>
-          </a:p>
-          <a:p>
-            <a:pPr algn="ctr"/>
-            <a:endParaRPr lang="en-US" sz="2400" b="1" dirty="0"/>
-          </a:p>
-        </p:txBody>
-      </p:sp>
-      <p:grpSp>
-        <p:nvGrpSpPr>
-          <p:cNvPr id="4" name="Group 3">
-            <a:extLst>
-              <a:ext uri="{FF2B5EF4-FFF2-40B4-BE49-F238E27FC236}">
-                <a16:creationId xmlns:a16="http://schemas.microsoft.com/office/drawing/2014/main" id="{FC026872-0453-4D20-A4A9-1D714AA237FD}"/>
-              </a:ext>
-            </a:extLst>
-          </p:cNvPr>
-          <p:cNvGrpSpPr/>
-          <p:nvPr/>
-        </p:nvGrpSpPr>
-        <p:grpSpPr>
-          <a:xfrm>
-            <a:off x="1254303" y="2099896"/>
-            <a:ext cx="9683394" cy="2102140"/>
-            <a:chOff x="1307869" y="2099896"/>
-            <a:chExt cx="9683394" cy="2102140"/>
-          </a:xfrm>
-        </p:grpSpPr>
-        <p:pic>
-          <p:nvPicPr>
-            <p:cNvPr id="2" name="Picture 1">
-              <a:extLst>
-                <a:ext uri="{FF2B5EF4-FFF2-40B4-BE49-F238E27FC236}">
-                  <a16:creationId xmlns:a16="http://schemas.microsoft.com/office/drawing/2014/main" id="{8FAF11BA-DD3D-4FB2-9B2A-4C3073F9782C}"/>
-                </a:ext>
-              </a:extLst>
-            </p:cNvPr>
-            <p:cNvPicPr>
-              <a:picLocks noChangeAspect="1"/>
-            </p:cNvPicPr>
-            <p:nvPr/>
-          </p:nvPicPr>
-          <p:blipFill>
-            <a:blip r:embed="rId2"/>
-            <a:stretch>
-              <a:fillRect/>
-            </a:stretch>
-          </p:blipFill>
-          <p:spPr>
-            <a:xfrm>
-              <a:off x="6766072" y="2099896"/>
-              <a:ext cx="4225191" cy="2102140"/>
-            </a:xfrm>
-            <a:prstGeom prst="rect">
-              <a:avLst/>
-            </a:prstGeom>
-            <a:ln w="38100" cap="sq">
-              <a:solidFill>
-                <a:srgbClr val="000000"/>
-              </a:solidFill>
-              <a:prstDash val="solid"/>
-              <a:miter lim="800000"/>
-            </a:ln>
-            <a:effectLst>
-              <a:outerShdw blurRad="50800" dist="38100" dir="2700000" algn="tl" rotWithShape="0">
-                <a:srgbClr val="000000">
-                  <a:alpha val="43000"/>
-                </a:srgbClr>
-              </a:outerShdw>
-            </a:effectLst>
-          </p:spPr>
-        </p:pic>
-        <p:pic>
-          <p:nvPicPr>
-            <p:cNvPr id="6" name="Picture 5">
-              <a:extLst>
-                <a:ext uri="{FF2B5EF4-FFF2-40B4-BE49-F238E27FC236}">
-                  <a16:creationId xmlns:a16="http://schemas.microsoft.com/office/drawing/2014/main" id="{70708BAF-82B2-45EE-924C-EDDDEB14C1CB}"/>
-                </a:ext>
-              </a:extLst>
-            </p:cNvPr>
-            <p:cNvPicPr>
-              <a:picLocks noChangeAspect="1"/>
-            </p:cNvPicPr>
-            <p:nvPr/>
-          </p:nvPicPr>
-          <p:blipFill>
-            <a:blip r:embed="rId3"/>
-            <a:stretch>
-              <a:fillRect/>
-            </a:stretch>
-          </p:blipFill>
-          <p:spPr>
-            <a:xfrm>
-              <a:off x="1307869" y="2099896"/>
-              <a:ext cx="4241838" cy="2102140"/>
-            </a:xfrm>
-            <a:prstGeom prst="rect">
-              <a:avLst/>
-            </a:prstGeom>
-            <a:ln w="38100" cap="sq">
-              <a:solidFill>
-                <a:srgbClr val="000000"/>
-              </a:solidFill>
-              <a:prstDash val="solid"/>
-              <a:miter lim="800000"/>
-            </a:ln>
-            <a:effectLst>
-              <a:outerShdw blurRad="50800" dist="38100" dir="2700000" algn="tl" rotWithShape="0">
-                <a:srgbClr val="000000">
-                  <a:alpha val="43000"/>
-                </a:srgbClr>
-              </a:outerShdw>
-            </a:effectLst>
-          </p:spPr>
-        </p:pic>
-      </p:grpSp>
+      </p:pic>
     </p:spTree>
     <p:extLst>
       <p:ext uri="{BB962C8B-B14F-4D97-AF65-F5344CB8AC3E}">
-        <p14:creationId xmlns:p14="http://schemas.microsoft.com/office/powerpoint/2010/main" val="728021987"/>
+        <p14:creationId xmlns:p14="http://schemas.microsoft.com/office/powerpoint/2010/main" val="2110724658"/>
       </p:ext>
     </p:extLst>
   </p:cSld>
@@ -6857,7 +7400,7 @@
         </p:nvSpPr>
         <p:spPr>
           <a:xfrm>
-            <a:off x="132944" y="1324396"/>
+            <a:off x="132942" y="1013496"/>
             <a:ext cx="11926111" cy="2044451"/>
           </a:xfrm>
         </p:spPr>
@@ -6888,7 +7431,7 @@
             </a:r>
             <a:r>
               <a:rPr lang="en-US" sz="2400" dirty="0"/>
-              <a:t>. On each round, you will be placed into one of the environments that you learned in the previous sessions Once in the environment you will have </a:t>
+              <a:t>. On each round, you will be placed into one of the environments that you learned in the previous sessions. Once in the environment you will have </a:t>
             </a:r>
             <a:r>
               <a:rPr lang="en-US" sz="2400" b="1" dirty="0"/>
@@ -6971,7 +7514,7 @@
         </p:nvSpPr>
         <p:spPr>
           <a:xfrm>
-            <a:off x="132943" y="469682"/>
+            <a:off x="132941" y="298317"/>
             <a:ext cx="11926111" cy="576098"/>
           </a:xfrm>
           <a:prstGeom prst="rect">
@@ -7288,115 +7831,99 @@
           </a:prstGeom>
         </p:spPr>
       </p:pic>
-      <p:grpSp>
-        <p:nvGrpSpPr>
-          <p:cNvPr id="2" name="Group 1">
-            <a:extLst>
-              <a:ext uri="{FF2B5EF4-FFF2-40B4-BE49-F238E27FC236}">
-                <a16:creationId xmlns:a16="http://schemas.microsoft.com/office/drawing/2014/main" id="{50ED87E2-76B9-4476-BF0C-D2459AF633C4}"/>
-              </a:ext>
-            </a:extLst>
-          </p:cNvPr>
-          <p:cNvGrpSpPr/>
+      <p:pic>
+        <p:nvPicPr>
+          <p:cNvPr id="17" name="Picture 16">
+            <a:extLst>
+              <a:ext uri="{FF2B5EF4-FFF2-40B4-BE49-F238E27FC236}">
+                <a16:creationId xmlns:a16="http://schemas.microsoft.com/office/drawing/2014/main" id="{3B9D2621-86F1-4338-85FD-06EE70BACAD1}"/>
+              </a:ext>
+            </a:extLst>
+          </p:cNvPr>
+          <p:cNvPicPr>
+            <a:picLocks noChangeAspect="1"/>
+          </p:cNvPicPr>
           <p:nvPr/>
-        </p:nvGrpSpPr>
-        <p:grpSpPr>
-          <a:xfrm>
-            <a:off x="2662061" y="3505921"/>
-            <a:ext cx="6867878" cy="1811735"/>
-            <a:chOff x="2934238" y="3132941"/>
-            <a:chExt cx="6867878" cy="1811735"/>
-          </a:xfrm>
-        </p:grpSpPr>
-        <p:pic>
-          <p:nvPicPr>
-            <p:cNvPr id="11" name="Picture 10">
-              <a:extLst>
-                <a:ext uri="{FF2B5EF4-FFF2-40B4-BE49-F238E27FC236}">
-                  <a16:creationId xmlns:a16="http://schemas.microsoft.com/office/drawing/2014/main" id="{EB37D226-A9C6-4E97-A320-FB553FF88D8A}"/>
-                </a:ext>
-              </a:extLst>
-            </p:cNvPr>
-            <p:cNvPicPr>
-              <a:picLocks noChangeAspect="1"/>
-            </p:cNvPicPr>
-            <p:nvPr/>
-          </p:nvPicPr>
-          <p:blipFill>
-            <a:blip r:embed="rId6"/>
-            <a:stretch>
-              <a:fillRect/>
-            </a:stretch>
-          </p:blipFill>
-          <p:spPr>
-            <a:xfrm>
-              <a:off x="2934238" y="3132941"/>
-              <a:ext cx="3257386" cy="1811735"/>
-            </a:xfrm>
-            <a:prstGeom prst="rect">
-              <a:avLst/>
-            </a:prstGeom>
-            <a:ln w="38100" cap="sq">
-              <a:solidFill>
-                <a:srgbClr val="000000"/>
-              </a:solidFill>
-              <a:prstDash val="solid"/>
-              <a:miter lim="800000"/>
-            </a:ln>
-            <a:effectLst>
-              <a:outerShdw blurRad="50800" dist="38100" dir="2700000" algn="tl" rotWithShape="0">
-                <a:srgbClr val="000000">
-                  <a:alpha val="43000"/>
-                </a:srgbClr>
-              </a:outerShdw>
-            </a:effectLst>
-          </p:spPr>
-        </p:pic>
-        <p:pic>
-          <p:nvPicPr>
-            <p:cNvPr id="9" name="Picture 8">
-              <a:extLst>
-                <a:ext uri="{FF2B5EF4-FFF2-40B4-BE49-F238E27FC236}">
-                  <a16:creationId xmlns:a16="http://schemas.microsoft.com/office/drawing/2014/main" id="{530CFFC8-D8A0-4B0F-92A6-D155EDBC863A}"/>
-                </a:ext>
-              </a:extLst>
-            </p:cNvPr>
-            <p:cNvPicPr>
-              <a:picLocks noChangeAspect="1"/>
-            </p:cNvPicPr>
-            <p:nvPr/>
-          </p:nvPicPr>
-          <p:blipFill>
-            <a:blip r:embed="rId7"/>
-            <a:stretch>
-              <a:fillRect/>
-            </a:stretch>
-          </p:blipFill>
-          <p:spPr>
-            <a:xfrm>
-              <a:off x="6544730" y="3132941"/>
-              <a:ext cx="3257386" cy="1811087"/>
-            </a:xfrm>
-            <a:prstGeom prst="rect">
-              <a:avLst/>
-            </a:prstGeom>
-            <a:ln w="38100" cap="sq">
-              <a:solidFill>
-                <a:srgbClr val="000000"/>
-              </a:solidFill>
-              <a:prstDash val="solid"/>
-              <a:miter lim="800000"/>
-            </a:ln>
-            <a:effectLst>
-              <a:outerShdw blurRad="50800" dist="38100" dir="2700000" algn="tl" rotWithShape="0">
-                <a:srgbClr val="000000">
-                  <a:alpha val="43000"/>
-                </a:srgbClr>
-              </a:outerShdw>
-            </a:effectLst>
-          </p:spPr>
-        </p:pic>
-      </p:grpSp>
+        </p:nvPicPr>
+        <p:blipFill>
+          <a:blip r:embed="rId6"/>
+          <a:stretch>
+            <a:fillRect/>
+          </a:stretch>
+        </p:blipFill>
+        <p:spPr>
+          <a:xfrm>
+            <a:off x="2391251" y="3197028"/>
+            <a:ext cx="3407527" cy="1895242"/>
+          </a:xfrm>
+          <a:prstGeom prst="rect">
+            <a:avLst/>
+          </a:prstGeom>
+          <a:ln w="38100" cap="sq">
+            <a:solidFill>
+              <a:srgbClr val="000000"/>
+            </a:solidFill>
+            <a:prstDash val="solid"/>
+            <a:miter lim="800000"/>
+          </a:ln>
+          <a:effectLst>
+            <a:outerShdw blurRad="50800" dist="38100" dir="2700000" algn="tl" rotWithShape="0">
+              <a:srgbClr val="000000">
+                <a:alpha val="43000"/>
+              </a:srgbClr>
+            </a:outerShdw>
+          </a:effectLst>
+        </p:spPr>
+      </p:pic>
+      <p:pic>
+        <p:nvPicPr>
+          <p:cNvPr id="19" name="Picture 18">
+            <a:extLst>
+              <a:ext uri="{FF2B5EF4-FFF2-40B4-BE49-F238E27FC236}">
+                <a16:creationId xmlns:a16="http://schemas.microsoft.com/office/drawing/2014/main" id="{2590921B-A6AB-4482-8324-8D9DA2C67ADA}"/>
+              </a:ext>
+            </a:extLst>
+          </p:cNvPr>
+          <p:cNvPicPr>
+            <a:picLocks noChangeAspect="1"/>
+          </p:cNvPicPr>
+          <p:nvPr/>
+        </p:nvPicPr>
+        <p:blipFill>
+          <a:blip r:embed="rId7">
+            <a:extLst>
+              <a:ext uri="{28A0092B-C50C-407E-A947-70E740481C1C}">
+                <a14:useLocalDpi xmlns:a14="http://schemas.microsoft.com/office/drawing/2010/main" val="0"/>
+              </a:ext>
+            </a:extLst>
+          </a:blip>
+          <a:srcRect/>
+          <a:stretch/>
+        </p:blipFill>
+        <p:spPr>
+          <a:xfrm>
+            <a:off x="6277563" y="3197028"/>
+            <a:ext cx="3407527" cy="1921485"/>
+          </a:xfrm>
+          <a:prstGeom prst="rect">
+            <a:avLst/>
+          </a:prstGeom>
+          <a:ln w="38100" cap="sq">
+            <a:solidFill>
+              <a:srgbClr val="000000"/>
+            </a:solidFill>
+            <a:prstDash val="solid"/>
+            <a:miter lim="800000"/>
+          </a:ln>
+          <a:effectLst>
+            <a:outerShdw blurRad="50800" dist="38100" dir="2700000" algn="tl" rotWithShape="0">
+              <a:srgbClr val="000000">
+                <a:alpha val="43000"/>
+              </a:srgbClr>
+            </a:outerShdw>
+          </a:effectLst>
+        </p:spPr>
+      </p:pic>
     </p:spTree>
     <p:extLst>
       <p:ext uri="{BB962C8B-B14F-4D97-AF65-F5344CB8AC3E}">
@@ -7869,8 +8396,8 @@
         </p:nvSpPr>
         <p:spPr>
           <a:xfrm>
-            <a:off x="579521" y="591205"/>
-            <a:ext cx="11032958" cy="2567483"/>
+            <a:off x="579521" y="31805"/>
+            <a:ext cx="11032958" cy="2266122"/>
           </a:xfrm>
         </p:spPr>
         <p:txBody>
@@ -7886,18 +8413,22 @@
               <a:rPr lang="en-US" sz="3600" b="1" dirty="0"/>
               <a:t>MONEY COLLECTION ROUNDS</a:t>
             </a:r>
-            <a:endParaRPr lang="en-US" sz="2400" dirty="0"/>
-          </a:p>
-          <a:p>
-            <a:pPr marL="0" indent="0">
+            <a:endParaRPr lang="en-US" sz="2400" b="1" dirty="0"/>
+          </a:p>
+          <a:p>
+            <a:pPr marL="0" indent="0" algn="ctr">
               <a:buNone/>
             </a:pPr>
             <a:r>
               <a:rPr lang="en-US" altLang="zh-CN" sz="2400" dirty="0"/>
-              <a:t>	All</a:t>
-            </a:r>
-            <a:r>
-              <a:rPr lang="zh-CN" altLang="en-US" sz="2400" dirty="0"/>
+              <a:t>In this Session </a:t>
+            </a:r>
+            <a:r>
+              <a:rPr lang="en-US" altLang="zh-CN" sz="2400" b="1" dirty="0"/>
+              <a:t>ALL</a:t>
+            </a:r>
+            <a:r>
+              <a:rPr lang="en-US" altLang="zh-CN" sz="2400" dirty="0"/>
               <a:t> </a:t>
             </a:r>
             <a:r>
@@ -7906,53 +8437,20 @@
             </a:r>
             <a:r>
               <a:rPr lang="en-US" sz="2400" b="1" dirty="0"/>
-              <a:t>No Feedback Rounds:</a:t>
-            </a:r>
-            <a:r>
-              <a:rPr lang="zh-CN" altLang="en-US" sz="2400" b="1" dirty="0"/>
-              <a:t> </a:t>
-            </a:r>
-            <a:r>
-              <a:rPr lang="en-US" sz="2400" b="1" dirty="0"/>
-              <a:t>no sound </a:t>
-            </a:r>
-            <a:r>
-              <a:rPr lang="en-US" sz="2400" dirty="0"/>
-              <a:t>and </a:t>
-            </a:r>
-            <a:r>
-              <a:rPr lang="en-US" sz="2400" b="1" dirty="0"/>
-              <a:t>no </a:t>
-            </a:r>
-            <a:r>
-              <a:rPr lang="en-US" altLang="zh-CN" sz="2400" b="1" dirty="0"/>
-              <a:t>money</a:t>
-            </a:r>
-            <a:r>
-              <a:rPr lang="zh-CN" altLang="en-US" sz="2400" b="1" dirty="0"/>
-              <a:t> </a:t>
-            </a:r>
-            <a:r>
-              <a:rPr lang="en-US" altLang="zh-CN" sz="2400" b="1" dirty="0"/>
-              <a:t>collected</a:t>
-            </a:r>
-            <a:r>
-              <a:rPr lang="en-US" sz="2400" dirty="0"/>
-              <a:t>!</a:t>
-            </a:r>
-            <a:endParaRPr lang="en-US" altLang="zh-CN" sz="2400" dirty="0"/>
-          </a:p>
-          <a:p>
-            <a:pPr marL="0" indent="0">
+              <a:t>No Feedback Rounds</a:t>
+            </a:r>
+            <a:r>
+              <a:rPr lang="en-US" altLang="zh-CN" sz="2400" dirty="0"/>
+              <a:t>	</a:t>
+            </a:r>
+          </a:p>
+          <a:p>
+            <a:pPr marL="0" indent="0" algn="ctr">
               <a:buNone/>
             </a:pPr>
             <a:r>
-              <a:rPr lang="en-US" altLang="zh-CN" sz="2400" dirty="0"/>
-              <a:t>	Y</a:t>
-            </a:r>
-            <a:r>
               <a:rPr lang="en-US" sz="2400" dirty="0"/>
-              <a:t>ou will see the “</a:t>
+              <a:t>At the start of every round you will see the “</a:t>
             </a:r>
             <a:r>
               <a:rPr lang="en-US" sz="2400" dirty="0">
@@ -7976,33 +8474,133 @@
             </a:r>
             <a:r>
               <a:rPr lang="en-US" sz="2400" dirty="0"/>
-              <a:t>” screen before being placed into the environment. Once in the environment you will have </a:t>
+              <a:t>” screen and you will </a:t>
+            </a:r>
+            <a:r>
+              <a:rPr lang="en-US" sz="2400" b="1" dirty="0">
+                <a:solidFill>
+                  <a:srgbClr val="FF0000"/>
+                </a:solidFill>
+              </a:rPr>
+              <a:t>NOT</a:t>
+            </a:r>
+            <a:r>
+              <a:rPr lang="en-US" sz="2400" dirty="0"/>
+              <a:t> hear a </a:t>
             </a:r>
             <a:r>
               <a:rPr lang="en-US" sz="2400" b="1" dirty="0"/>
-              <a:t>1 minute </a:t>
+              <a:t>coin sound</a:t>
             </a:r>
             <a:r>
               <a:rPr lang="en-US" sz="2400" dirty="0"/>
-              <a:t>to collect as much money as possible! You won‘t find out how much you’ve collected until the </a:t>
-            </a:r>
-            <a:r>
-              <a:rPr lang="en-US" sz="2400" b="1" dirty="0"/>
-              <a:t>end of this session!</a:t>
+              <a:t> when you collect money and you will </a:t>
+            </a:r>
+            <a:r>
+              <a:rPr lang="en-US" sz="2400" b="1" dirty="0">
+                <a:solidFill>
+                  <a:srgbClr val="FF0000"/>
+                </a:solidFill>
+              </a:rPr>
+              <a:t>NOT</a:t>
             </a:r>
             <a:r>
               <a:rPr lang="en-US" sz="2400" dirty="0"/>
-              <a:t> </a:t>
-            </a:r>
-          </a:p>
-        </p:txBody>
-      </p:sp>
+              <a:t> be able to see how much you’ve collected! </a:t>
+            </a:r>
+          </a:p>
+        </p:txBody>
+      </p:sp>
+      <p:sp>
+        <p:nvSpPr>
+          <p:cNvPr id="14" name="TextBox 13">
+            <a:extLst>
+              <a:ext uri="{FF2B5EF4-FFF2-40B4-BE49-F238E27FC236}">
+                <a16:creationId xmlns:a16="http://schemas.microsoft.com/office/drawing/2014/main" id="{6AEA7FB7-00E8-4F43-8437-22ABAF58CD34}"/>
+              </a:ext>
+            </a:extLst>
+          </p:cNvPr>
+          <p:cNvSpPr txBox="1"/>
+          <p:nvPr/>
+        </p:nvSpPr>
+        <p:spPr>
+          <a:xfrm>
+            <a:off x="3886467" y="6182211"/>
+            <a:ext cx="4782193" cy="461665"/>
+          </a:xfrm>
+          <a:prstGeom prst="rect">
+            <a:avLst/>
+          </a:prstGeom>
+          <a:noFill/>
+        </p:spPr>
+        <p:txBody>
+          <a:bodyPr wrap="square" rtlCol="0">
+            <a:spAutoFit/>
+          </a:bodyPr>
+          <a:lstStyle/>
+          <a:p>
+            <a:pPr algn="ctr"/>
+            <a:r>
+              <a:rPr lang="en-US" sz="2400" b="1" dirty="0">
+                <a:solidFill>
+                  <a:schemeClr val="accent6"/>
+                </a:solidFill>
+              </a:rPr>
+              <a:t>Do you have any questions?</a:t>
+            </a:r>
+          </a:p>
+        </p:txBody>
+      </p:sp>
+      <p:pic>
+        <p:nvPicPr>
+          <p:cNvPr id="17" name="Picture 16">
+            <a:extLst>
+              <a:ext uri="{FF2B5EF4-FFF2-40B4-BE49-F238E27FC236}">
+                <a16:creationId xmlns:a16="http://schemas.microsoft.com/office/drawing/2014/main" id="{02E891EF-0F77-4F96-AF50-6FC2683C90B3}"/>
+              </a:ext>
+            </a:extLst>
+          </p:cNvPr>
+          <p:cNvPicPr>
+            <a:picLocks noChangeAspect="1"/>
+          </p:cNvPicPr>
+          <p:nvPr/>
+        </p:nvPicPr>
+        <p:blipFill>
+          <a:blip r:embed="rId2"/>
+          <a:stretch>
+            <a:fillRect/>
+          </a:stretch>
+        </p:blipFill>
+        <p:spPr>
+          <a:xfrm>
+            <a:off x="267843" y="2829872"/>
+            <a:ext cx="3445407" cy="1929428"/>
+          </a:xfrm>
+          <a:prstGeom prst="rect">
+            <a:avLst/>
+          </a:prstGeom>
+          <a:ln w="38100" cap="sq">
+            <a:solidFill>
+              <a:srgbClr val="000000"/>
+            </a:solidFill>
+            <a:prstDash val="solid"/>
+            <a:miter lim="800000"/>
+          </a:ln>
+          <a:effectLst>
+            <a:outerShdw blurRad="50800" dist="38100" dir="2700000" algn="tl" rotWithShape="0">
+              <a:srgbClr val="000000">
+                <a:alpha val="43000"/>
+              </a:srgbClr>
+            </a:outerShdw>
+          </a:effectLst>
+        </p:spPr>
+      </p:pic>
       <p:grpSp>
         <p:nvGrpSpPr>
-          <p:cNvPr id="13" name="Group 12">
-            <a:extLst>
-              <a:ext uri="{FF2B5EF4-FFF2-40B4-BE49-F238E27FC236}">
-                <a16:creationId xmlns:a16="http://schemas.microsoft.com/office/drawing/2014/main" id="{A66CC59F-F6B9-49C3-B83E-5BFBE0D76078}"/>
+          <p:cNvPr id="18" name="Group 17">
+            <a:extLst>
+              <a:ext uri="{FF2B5EF4-FFF2-40B4-BE49-F238E27FC236}">
+                <a16:creationId xmlns:a16="http://schemas.microsoft.com/office/drawing/2014/main" id="{B006CD38-947F-4973-BF02-AB636940D5F8}"/>
               </a:ext>
             </a:extLst>
           </p:cNvPr>
@@ -8011,217 +8609,18 @@
         </p:nvGrpSpPr>
         <p:grpSpPr>
           <a:xfrm>
-            <a:off x="2570630" y="2767254"/>
-            <a:ext cx="7270372" cy="3280704"/>
-            <a:chOff x="1787290" y="3030054"/>
-            <a:chExt cx="7963380" cy="3593419"/>
+            <a:off x="8419781" y="2833311"/>
+            <a:ext cx="3407527" cy="1922550"/>
+            <a:chOff x="4892696" y="2740564"/>
+            <a:chExt cx="3407527" cy="1922550"/>
           </a:xfrm>
         </p:grpSpPr>
-        <p:grpSp>
-          <p:nvGrpSpPr>
-            <p:cNvPr id="4" name="Group 3">
+        <p:pic>
+          <p:nvPicPr>
+            <p:cNvPr id="19" name="Picture 18">
               <a:extLst>
                 <a:ext uri="{FF2B5EF4-FFF2-40B4-BE49-F238E27FC236}">
-                  <a16:creationId xmlns:a16="http://schemas.microsoft.com/office/drawing/2014/main" id="{3E266C0E-2BEA-4BAE-80A6-7161DA572F03}"/>
-                </a:ext>
-              </a:extLst>
-            </p:cNvPr>
-            <p:cNvGrpSpPr/>
-            <p:nvPr/>
-          </p:nvGrpSpPr>
-          <p:grpSpPr>
-            <a:xfrm>
-              <a:off x="5440527" y="3233243"/>
-              <a:ext cx="4310143" cy="3390230"/>
-              <a:chOff x="4752131" y="2215900"/>
-              <a:chExt cx="5290550" cy="4161388"/>
-            </a:xfrm>
-          </p:grpSpPr>
-          <p:cxnSp>
-            <p:nvCxnSpPr>
-              <p:cNvPr id="6" name="Straight Arrow Connector 5">
-                <a:extLst>
-                  <a:ext uri="{FF2B5EF4-FFF2-40B4-BE49-F238E27FC236}">
-                    <a16:creationId xmlns:a16="http://schemas.microsoft.com/office/drawing/2014/main" id="{D749AAA7-46E6-49C6-8952-5B6317B423E0}"/>
-                  </a:ext>
-                </a:extLst>
-              </p:cNvPr>
-              <p:cNvCxnSpPr>
-                <a:cxnSpLocks/>
-              </p:cNvCxnSpPr>
-              <p:nvPr/>
-            </p:nvCxnSpPr>
-            <p:spPr>
-              <a:xfrm flipV="1">
-                <a:off x="4752131" y="3069570"/>
-                <a:ext cx="2131151" cy="1030914"/>
-              </a:xfrm>
-              <a:prstGeom prst="straightConnector1">
-                <a:avLst/>
-              </a:prstGeom>
-              <a:ln w="76200">
-                <a:solidFill>
-                  <a:schemeClr val="tx1"/>
-                </a:solidFill>
-                <a:prstDash val="sysDash"/>
-                <a:tailEnd type="triangle"/>
-              </a:ln>
-            </p:spPr>
-            <p:style>
-              <a:lnRef idx="1">
-                <a:schemeClr val="accent1"/>
-              </a:lnRef>
-              <a:fillRef idx="0">
-                <a:schemeClr val="accent1"/>
-              </a:fillRef>
-              <a:effectRef idx="0">
-                <a:schemeClr val="accent1"/>
-              </a:effectRef>
-              <a:fontRef idx="minor">
-                <a:schemeClr val="tx1"/>
-              </a:fontRef>
-            </p:style>
-          </p:cxnSp>
-          <p:pic>
-            <p:nvPicPr>
-              <p:cNvPr id="7" name="Picture 6">
-                <a:extLst>
-                  <a:ext uri="{FF2B5EF4-FFF2-40B4-BE49-F238E27FC236}">
-                    <a16:creationId xmlns:a16="http://schemas.microsoft.com/office/drawing/2014/main" id="{1B133DB7-68AB-428A-9563-448ED83A8A92}"/>
-                  </a:ext>
-                </a:extLst>
-              </p:cNvPr>
-              <p:cNvPicPr>
-                <a:picLocks noChangeAspect="1"/>
-              </p:cNvPicPr>
-              <p:nvPr/>
-            </p:nvPicPr>
-            <p:blipFill>
-              <a:blip r:embed="rId2"/>
-              <a:stretch>
-                <a:fillRect/>
-              </a:stretch>
-            </p:blipFill>
-            <p:spPr>
-              <a:xfrm>
-                <a:off x="6973875" y="2215900"/>
-                <a:ext cx="3045494" cy="1707341"/>
-              </a:xfrm>
-              <a:prstGeom prst="rect">
-                <a:avLst/>
-              </a:prstGeom>
-              <a:ln w="38100" cap="sq">
-                <a:solidFill>
-                  <a:srgbClr val="000000"/>
-                </a:solidFill>
-                <a:prstDash val="solid"/>
-                <a:miter lim="800000"/>
-              </a:ln>
-              <a:effectLst>
-                <a:outerShdw blurRad="50800" dist="38100" dir="2700000" algn="tl" rotWithShape="0">
-                  <a:srgbClr val="000000">
-                    <a:alpha val="43000"/>
-                  </a:srgbClr>
-                </a:outerShdw>
-              </a:effectLst>
-            </p:spPr>
-          </p:pic>
-          <p:pic>
-            <p:nvPicPr>
-              <p:cNvPr id="8" name="Picture 7">
-                <a:extLst>
-                  <a:ext uri="{FF2B5EF4-FFF2-40B4-BE49-F238E27FC236}">
-                    <a16:creationId xmlns:a16="http://schemas.microsoft.com/office/drawing/2014/main" id="{ABDE9C79-9042-4B63-A364-2DF74A39E5A2}"/>
-                  </a:ext>
-                </a:extLst>
-              </p:cNvPr>
-              <p:cNvPicPr>
-                <a:picLocks noChangeAspect="1"/>
-              </p:cNvPicPr>
-              <p:nvPr/>
-            </p:nvPicPr>
-            <p:blipFill>
-              <a:blip r:embed="rId3"/>
-              <a:stretch>
-                <a:fillRect/>
-              </a:stretch>
-            </p:blipFill>
-            <p:spPr>
-              <a:xfrm>
-                <a:off x="6973877" y="4669947"/>
-                <a:ext cx="3068804" cy="1707341"/>
-              </a:xfrm>
-              <a:prstGeom prst="rect">
-                <a:avLst/>
-              </a:prstGeom>
-              <a:ln w="38100" cap="sq">
-                <a:solidFill>
-                  <a:srgbClr val="000000"/>
-                </a:solidFill>
-                <a:prstDash val="solid"/>
-                <a:miter lim="800000"/>
-              </a:ln>
-              <a:effectLst>
-                <a:outerShdw blurRad="50800" dist="38100" dir="2700000" algn="tl" rotWithShape="0">
-                  <a:srgbClr val="000000">
-                    <a:alpha val="43000"/>
-                  </a:srgbClr>
-                </a:outerShdw>
-              </a:effectLst>
-            </p:spPr>
-          </p:pic>
-          <p:cxnSp>
-            <p:nvCxnSpPr>
-              <p:cNvPr id="9" name="Straight Arrow Connector 8">
-                <a:extLst>
-                  <a:ext uri="{FF2B5EF4-FFF2-40B4-BE49-F238E27FC236}">
-                    <a16:creationId xmlns:a16="http://schemas.microsoft.com/office/drawing/2014/main" id="{609E10A6-48BE-4590-89F4-205AFA9E0032}"/>
-                  </a:ext>
-                </a:extLst>
-              </p:cNvPr>
-              <p:cNvCxnSpPr>
-                <a:cxnSpLocks/>
-              </p:cNvCxnSpPr>
-              <p:nvPr/>
-            </p:nvCxnSpPr>
-            <p:spPr>
-              <a:xfrm>
-                <a:off x="4765779" y="4136164"/>
-                <a:ext cx="2131151" cy="1030914"/>
-              </a:xfrm>
-              <a:prstGeom prst="straightConnector1">
-                <a:avLst/>
-              </a:prstGeom>
-              <a:ln w="76200">
-                <a:solidFill>
-                  <a:schemeClr val="tx1"/>
-                </a:solidFill>
-                <a:prstDash val="sysDash"/>
-                <a:tailEnd type="triangle"/>
-              </a:ln>
-            </p:spPr>
-            <p:style>
-              <a:lnRef idx="1">
-                <a:schemeClr val="accent1"/>
-              </a:lnRef>
-              <a:fillRef idx="0">
-                <a:schemeClr val="accent1"/>
-              </a:fillRef>
-              <a:effectRef idx="0">
-                <a:schemeClr val="accent1"/>
-              </a:effectRef>
-              <a:fontRef idx="minor">
-                <a:schemeClr val="tx1"/>
-              </a:fontRef>
-            </p:style>
-          </p:cxnSp>
-        </p:grpSp>
-        <p:pic>
-          <p:nvPicPr>
-            <p:cNvPr id="10" name="Picture 9">
-              <a:extLst>
-                <a:ext uri="{FF2B5EF4-FFF2-40B4-BE49-F238E27FC236}">
-                  <a16:creationId xmlns:a16="http://schemas.microsoft.com/office/drawing/2014/main" id="{C60A4D3A-6C29-4F7B-8461-4FFDDE9A7927}"/>
+                  <a16:creationId xmlns:a16="http://schemas.microsoft.com/office/drawing/2014/main" id="{5F54B5A0-6C54-4C79-9CD2-03D7D92A3973}"/>
                 </a:ext>
               </a:extLst>
             </p:cNvPr>
@@ -8231,15 +8630,15 @@
             <p:nvPr/>
           </p:nvPicPr>
           <p:blipFill>
-            <a:blip r:embed="rId4"/>
+            <a:blip r:embed="rId3"/>
             <a:stretch>
               <a:fillRect/>
             </a:stretch>
           </p:blipFill>
           <p:spPr>
             <a:xfrm>
-              <a:off x="1787290" y="3810587"/>
-              <a:ext cx="3525253" cy="1974142"/>
+              <a:off x="4892696" y="2767872"/>
+              <a:ext cx="3407527" cy="1895242"/>
             </a:xfrm>
             <a:prstGeom prst="rect">
               <a:avLst/>
@@ -8262,119 +8661,106 @@
         </p:pic>
         <p:sp>
           <p:nvSpPr>
-            <p:cNvPr id="11" name="Multiplication Sign 10">
+            <p:cNvPr id="20" name="TextBox 19">
               <a:extLst>
                 <a:ext uri="{FF2B5EF4-FFF2-40B4-BE49-F238E27FC236}">
-                  <a16:creationId xmlns:a16="http://schemas.microsoft.com/office/drawing/2014/main" id="{B361D6B6-CC72-472B-9C76-7C16A38BDE64}"/>
+                  <a16:creationId xmlns:a16="http://schemas.microsoft.com/office/drawing/2014/main" id="{6FBB1DA4-B181-4AE0-AB9D-B10E9F019547}"/>
                 </a:ext>
               </a:extLst>
             </p:cNvPr>
-            <p:cNvSpPr/>
+            <p:cNvSpPr txBox="1"/>
             <p:nvPr/>
           </p:nvSpPr>
           <p:spPr>
             <a:xfrm>
-              <a:off x="8149317" y="3030054"/>
-              <a:ext cx="702589" cy="470116"/>
+              <a:off x="6079889" y="2740564"/>
+              <a:ext cx="1106392" cy="338554"/>
             </a:xfrm>
-            <a:prstGeom prst="mathMultiply">
+            <a:prstGeom prst="rect">
               <a:avLst/>
             </a:prstGeom>
-            <a:solidFill>
-              <a:srgbClr val="FF0000"/>
-            </a:solidFill>
-            <a:ln>
-              <a:solidFill>
-                <a:schemeClr val="tx1"/>
-              </a:solidFill>
-            </a:ln>
+            <a:noFill/>
           </p:spPr>
-          <p:style>
-            <a:lnRef idx="2">
-              <a:schemeClr val="accent1">
-                <a:shade val="50000"/>
-              </a:schemeClr>
-            </a:lnRef>
-            <a:fillRef idx="1">
-              <a:schemeClr val="accent1"/>
-            </a:fillRef>
-            <a:effectRef idx="0">
-              <a:schemeClr val="accent1"/>
-            </a:effectRef>
-            <a:fontRef idx="minor">
-              <a:schemeClr val="lt1"/>
-            </a:fontRef>
-          </p:style>
           <p:txBody>
-            <a:bodyPr rtlCol="0" anchor="ctr"/>
+            <a:bodyPr wrap="square" rtlCol="0">
+              <a:spAutoFit/>
+            </a:bodyPr>
             <a:lstStyle/>
             <a:p>
               <a:pPr algn="ctr"/>
-              <a:endParaRPr lang="en-US"/>
+              <a:r>
+                <a:rPr lang="en-US" sz="800" b="1" dirty="0">
+                  <a:solidFill>
+                    <a:srgbClr val="FF0000"/>
+                  </a:solidFill>
+                </a:rPr>
+                <a:t>Search For Money!</a:t>
+              </a:r>
             </a:p>
-          </p:txBody>
-        </p:sp>
-        <p:sp>
-          <p:nvSpPr>
-            <p:cNvPr id="12" name="Multiplication Sign 11">
-              <a:extLst>
-                <a:ext uri="{FF2B5EF4-FFF2-40B4-BE49-F238E27FC236}">
-                  <a16:creationId xmlns:a16="http://schemas.microsoft.com/office/drawing/2014/main" id="{E56B6308-6BE3-416D-BAB1-FABF03AB56DE}"/>
-                </a:ext>
-              </a:extLst>
-            </p:cNvPr>
-            <p:cNvSpPr/>
-            <p:nvPr/>
-          </p:nvSpPr>
-          <p:spPr>
-            <a:xfrm>
-              <a:off x="8139820" y="5066574"/>
-              <a:ext cx="702589" cy="470116"/>
-            </a:xfrm>
-            <a:prstGeom prst="mathMultiply">
-              <a:avLst/>
-            </a:prstGeom>
-            <a:solidFill>
-              <a:srgbClr val="FF0000"/>
-            </a:solidFill>
-            <a:ln>
-              <a:solidFill>
-                <a:schemeClr val="tx1"/>
-              </a:solidFill>
-            </a:ln>
-          </p:spPr>
-          <p:style>
-            <a:lnRef idx="2">
-              <a:schemeClr val="accent1">
-                <a:shade val="50000"/>
-              </a:schemeClr>
-            </a:lnRef>
-            <a:fillRef idx="1">
-              <a:schemeClr val="accent1"/>
-            </a:fillRef>
-            <a:effectRef idx="0">
-              <a:schemeClr val="accent1"/>
-            </a:effectRef>
-            <a:fontRef idx="minor">
-              <a:schemeClr val="lt1"/>
-            </a:fontRef>
-          </p:style>
-          <p:txBody>
-            <a:bodyPr rtlCol="0" anchor="ctr"/>
-            <a:lstStyle/>
             <a:p>
               <a:pPr algn="ctr"/>
-              <a:endParaRPr lang="en-US"/>
+              <a:r>
+                <a:rPr lang="en-US" sz="800" b="1" dirty="0">
+                  <a:solidFill>
+                    <a:srgbClr val="FF0000"/>
+                  </a:solidFill>
+                </a:rPr>
+                <a:t>No Feedback Round</a:t>
+              </a:r>
             </a:p>
           </p:txBody>
         </p:sp>
       </p:grpSp>
-      <p:sp>
-        <p:nvSpPr>
-          <p:cNvPr id="14" name="TextBox 13">
-            <a:extLst>
-              <a:ext uri="{FF2B5EF4-FFF2-40B4-BE49-F238E27FC236}">
-                <a16:creationId xmlns:a16="http://schemas.microsoft.com/office/drawing/2014/main" id="{6AEA7FB7-00E8-4F43-8437-22ABAF58CD34}"/>
+      <p:pic>
+        <p:nvPicPr>
+          <p:cNvPr id="21" name="Picture 20">
+            <a:extLst>
+              <a:ext uri="{FF2B5EF4-FFF2-40B4-BE49-F238E27FC236}">
+                <a16:creationId xmlns:a16="http://schemas.microsoft.com/office/drawing/2014/main" id="{6D025DEA-0E8A-4D2B-ACBF-589D4BF64310}"/>
+              </a:ext>
+            </a:extLst>
+          </p:cNvPr>
+          <p:cNvPicPr>
+            <a:picLocks noChangeAspect="1"/>
+          </p:cNvPicPr>
+          <p:nvPr/>
+        </p:nvPicPr>
+        <p:blipFill>
+          <a:blip r:embed="rId3"/>
+          <a:stretch>
+            <a:fillRect/>
+          </a:stretch>
+        </p:blipFill>
+        <p:spPr>
+          <a:xfrm>
+            <a:off x="4362752" y="2860619"/>
+            <a:ext cx="3407527" cy="1895242"/>
+          </a:xfrm>
+          <a:prstGeom prst="rect">
+            <a:avLst/>
+          </a:prstGeom>
+          <a:ln w="38100" cap="sq">
+            <a:solidFill>
+              <a:srgbClr val="000000"/>
+            </a:solidFill>
+            <a:prstDash val="solid"/>
+            <a:miter lim="800000"/>
+          </a:ln>
+          <a:effectLst>
+            <a:outerShdw blurRad="50800" dist="38100" dir="2700000" algn="tl" rotWithShape="0">
+              <a:srgbClr val="000000">
+                <a:alpha val="43000"/>
+              </a:srgbClr>
+            </a:outerShdw>
+          </a:effectLst>
+        </p:spPr>
+      </p:pic>
+      <p:sp>
+        <p:nvSpPr>
+          <p:cNvPr id="22" name="TextBox 21">
+            <a:extLst>
+              <a:ext uri="{FF2B5EF4-FFF2-40B4-BE49-F238E27FC236}">
+                <a16:creationId xmlns:a16="http://schemas.microsoft.com/office/drawing/2014/main" id="{16CEB1E1-071E-4AB8-89AD-A85621F0A8D5}"/>
               </a:ext>
             </a:extLst>
           </p:cNvPr>
@@ -8383,8 +8769,8 @@
         </p:nvSpPr>
         <p:spPr>
           <a:xfrm>
-            <a:off x="3886467" y="6182211"/>
-            <a:ext cx="4782193" cy="461665"/>
+            <a:off x="5549945" y="2833311"/>
+            <a:ext cx="1106392" cy="338554"/>
           </a:xfrm>
           <a:prstGeom prst="rect">
             <a:avLst/>
@@ -8399,13 +8785,496 @@
           <a:p>
             <a:pPr algn="ctr"/>
             <a:r>
+              <a:rPr lang="en-US" sz="800" b="1" dirty="0">
+                <a:solidFill>
+                  <a:srgbClr val="FF0000"/>
+                </a:solidFill>
+              </a:rPr>
+              <a:t>Search For Money!</a:t>
+            </a:r>
+          </a:p>
+          <a:p>
+            <a:pPr algn="ctr"/>
+            <a:r>
+              <a:rPr lang="en-US" sz="800" b="1" dirty="0">
+                <a:solidFill>
+                  <a:srgbClr val="FF0000"/>
+                </a:solidFill>
+              </a:rPr>
+              <a:t>No Feedback Round</a:t>
+            </a:r>
+          </a:p>
+        </p:txBody>
+      </p:sp>
+      <p:cxnSp>
+        <p:nvCxnSpPr>
+          <p:cNvPr id="23" name="Straight Arrow Connector 22">
+            <a:extLst>
+              <a:ext uri="{FF2B5EF4-FFF2-40B4-BE49-F238E27FC236}">
+                <a16:creationId xmlns:a16="http://schemas.microsoft.com/office/drawing/2014/main" id="{EFD70104-9A5F-4160-8073-0F3619F02521}"/>
+              </a:ext>
+            </a:extLst>
+          </p:cNvPr>
+          <p:cNvCxnSpPr>
+            <a:cxnSpLocks/>
+          </p:cNvCxnSpPr>
+          <p:nvPr/>
+        </p:nvCxnSpPr>
+        <p:spPr>
+          <a:xfrm>
+            <a:off x="3819863" y="3794586"/>
+            <a:ext cx="462966" cy="0"/>
+          </a:xfrm>
+          <a:prstGeom prst="straightConnector1">
+            <a:avLst/>
+          </a:prstGeom>
+          <a:ln w="76200">
+            <a:solidFill>
+              <a:schemeClr val="tx1"/>
+            </a:solidFill>
+            <a:tailEnd type="triangle"/>
+          </a:ln>
+        </p:spPr>
+        <p:style>
+          <a:lnRef idx="1">
+            <a:schemeClr val="accent1"/>
+          </a:lnRef>
+          <a:fillRef idx="0">
+            <a:schemeClr val="accent1"/>
+          </a:fillRef>
+          <a:effectRef idx="0">
+            <a:schemeClr val="accent1"/>
+          </a:effectRef>
+          <a:fontRef idx="minor">
+            <a:schemeClr val="tx1"/>
+          </a:fontRef>
+        </p:style>
+      </p:cxnSp>
+      <p:cxnSp>
+        <p:nvCxnSpPr>
+          <p:cNvPr id="24" name="Straight Arrow Connector 23">
+            <a:extLst>
+              <a:ext uri="{FF2B5EF4-FFF2-40B4-BE49-F238E27FC236}">
+                <a16:creationId xmlns:a16="http://schemas.microsoft.com/office/drawing/2014/main" id="{6B280521-F828-4183-B872-8274F7310EE5}"/>
+              </a:ext>
+            </a:extLst>
+          </p:cNvPr>
+          <p:cNvCxnSpPr>
+            <a:cxnSpLocks/>
+          </p:cNvCxnSpPr>
+          <p:nvPr/>
+        </p:nvCxnSpPr>
+        <p:spPr>
+          <a:xfrm>
+            <a:off x="7870709" y="3794586"/>
+            <a:ext cx="462966" cy="0"/>
+          </a:xfrm>
+          <a:prstGeom prst="straightConnector1">
+            <a:avLst/>
+          </a:prstGeom>
+          <a:ln w="76200">
+            <a:solidFill>
+              <a:schemeClr val="tx1"/>
+            </a:solidFill>
+            <a:tailEnd type="triangle"/>
+          </a:ln>
+        </p:spPr>
+        <p:style>
+          <a:lnRef idx="1">
+            <a:schemeClr val="accent1"/>
+          </a:lnRef>
+          <a:fillRef idx="0">
+            <a:schemeClr val="accent1"/>
+          </a:fillRef>
+          <a:effectRef idx="0">
+            <a:schemeClr val="accent1"/>
+          </a:effectRef>
+          <a:fontRef idx="minor">
+            <a:schemeClr val="tx1"/>
+          </a:fontRef>
+        </p:style>
+      </p:cxnSp>
+      <p:sp>
+        <p:nvSpPr>
+          <p:cNvPr id="25" name="Rectangle 24">
+            <a:extLst>
+              <a:ext uri="{FF2B5EF4-FFF2-40B4-BE49-F238E27FC236}">
+                <a16:creationId xmlns:a16="http://schemas.microsoft.com/office/drawing/2014/main" id="{2F9D0C25-6569-46BB-ADC2-028A4FC9CCC9}"/>
+              </a:ext>
+            </a:extLst>
+          </p:cNvPr>
+          <p:cNvSpPr/>
+          <p:nvPr/>
+        </p:nvSpPr>
+        <p:spPr>
+          <a:xfrm>
+            <a:off x="5352591" y="2464792"/>
+            <a:ext cx="1514723" cy="332774"/>
+          </a:xfrm>
+          <a:prstGeom prst="rect">
+            <a:avLst/>
+          </a:prstGeom>
+          <a:solidFill>
+            <a:schemeClr val="tx1"/>
+          </a:solidFill>
+          <a:ln>
+            <a:noFill/>
+          </a:ln>
+        </p:spPr>
+        <p:style>
+          <a:lnRef idx="2">
+            <a:schemeClr val="accent1">
+              <a:shade val="50000"/>
+            </a:schemeClr>
+          </a:lnRef>
+          <a:fillRef idx="1">
+            <a:schemeClr val="accent1"/>
+          </a:fillRef>
+          <a:effectRef idx="0">
+            <a:schemeClr val="accent1"/>
+          </a:effectRef>
+          <a:fontRef idx="minor">
+            <a:schemeClr val="lt1"/>
+          </a:fontRef>
+        </p:style>
+        <p:txBody>
+          <a:bodyPr rtlCol="0" anchor="ctr"/>
+          <a:lstStyle/>
+          <a:p>
+            <a:pPr algn="ctr"/>
+            <a:endParaRPr lang="en-US"/>
+          </a:p>
+        </p:txBody>
+      </p:sp>
+      <p:sp>
+        <p:nvSpPr>
+          <p:cNvPr id="26" name="TextBox 25">
+            <a:extLst>
+              <a:ext uri="{FF2B5EF4-FFF2-40B4-BE49-F238E27FC236}">
+                <a16:creationId xmlns:a16="http://schemas.microsoft.com/office/drawing/2014/main" id="{CDFC1F7A-E485-458A-BCDD-0B4871AAB41A}"/>
+              </a:ext>
+            </a:extLst>
+          </p:cNvPr>
+          <p:cNvSpPr txBox="1"/>
+          <p:nvPr/>
+        </p:nvSpPr>
+        <p:spPr>
+          <a:xfrm>
+            <a:off x="5352591" y="2446513"/>
+            <a:ext cx="1514723" cy="369332"/>
+          </a:xfrm>
+          <a:prstGeom prst="rect">
+            <a:avLst/>
+          </a:prstGeom>
+          <a:noFill/>
+          <a:ln>
+            <a:noFill/>
+          </a:ln>
+        </p:spPr>
+        <p:txBody>
+          <a:bodyPr wrap="square" rtlCol="0">
+            <a:spAutoFit/>
+          </a:bodyPr>
+          <a:lstStyle/>
+          <a:p>
+            <a:pPr algn="ctr"/>
+            <a:r>
+              <a:rPr lang="en-US" b="1" dirty="0">
+                <a:solidFill>
+                  <a:schemeClr val="bg1"/>
+                </a:solidFill>
+              </a:rPr>
+              <a:t>Less than </a:t>
+            </a:r>
+            <a:r>
+              <a:rPr lang="en-US" b="1" dirty="0">
+                <a:solidFill>
+                  <a:schemeClr val="accent6"/>
+                </a:solidFill>
+              </a:rPr>
+              <a:t>10¢</a:t>
+            </a:r>
+            <a:endParaRPr lang="en-US" dirty="0"/>
+          </a:p>
+        </p:txBody>
+      </p:sp>
+      <p:sp>
+        <p:nvSpPr>
+          <p:cNvPr id="27" name="Rectangle 26">
+            <a:extLst>
+              <a:ext uri="{FF2B5EF4-FFF2-40B4-BE49-F238E27FC236}">
+                <a16:creationId xmlns:a16="http://schemas.microsoft.com/office/drawing/2014/main" id="{6F1330E4-0C76-4D1B-B970-2D4D10F3ADE5}"/>
+              </a:ext>
+            </a:extLst>
+          </p:cNvPr>
+          <p:cNvSpPr/>
+          <p:nvPr/>
+        </p:nvSpPr>
+        <p:spPr>
+          <a:xfrm>
+            <a:off x="5380416" y="2772444"/>
+            <a:ext cx="1459065" cy="387283"/>
+          </a:xfrm>
+          <a:prstGeom prst="rect">
+            <a:avLst/>
+          </a:prstGeom>
+          <a:noFill/>
+          <a:ln w="57150">
+            <a:solidFill>
+              <a:schemeClr val="tx1"/>
+            </a:solidFill>
+          </a:ln>
+        </p:spPr>
+        <p:style>
+          <a:lnRef idx="2">
+            <a:schemeClr val="accent1">
+              <a:shade val="50000"/>
+            </a:schemeClr>
+          </a:lnRef>
+          <a:fillRef idx="1">
+            <a:schemeClr val="accent1"/>
+          </a:fillRef>
+          <a:effectRef idx="0">
+            <a:schemeClr val="accent1"/>
+          </a:effectRef>
+          <a:fontRef idx="minor">
+            <a:schemeClr val="lt1"/>
+          </a:fontRef>
+        </p:style>
+        <p:txBody>
+          <a:bodyPr rtlCol="0" anchor="ctr"/>
+          <a:lstStyle/>
+          <a:p>
+            <a:pPr algn="ctr"/>
+            <a:endParaRPr lang="en-US"/>
+          </a:p>
+        </p:txBody>
+      </p:sp>
+      <p:sp>
+        <p:nvSpPr>
+          <p:cNvPr id="28" name="Rectangle 27">
+            <a:extLst>
+              <a:ext uri="{FF2B5EF4-FFF2-40B4-BE49-F238E27FC236}">
+                <a16:creationId xmlns:a16="http://schemas.microsoft.com/office/drawing/2014/main" id="{DD559E22-7387-4C05-A6D2-B70187F18FF4}"/>
+              </a:ext>
+            </a:extLst>
+          </p:cNvPr>
+          <p:cNvSpPr/>
+          <p:nvPr/>
+        </p:nvSpPr>
+        <p:spPr>
+          <a:xfrm>
+            <a:off x="9437445" y="2468159"/>
+            <a:ext cx="1514723" cy="332774"/>
+          </a:xfrm>
+          <a:prstGeom prst="rect">
+            <a:avLst/>
+          </a:prstGeom>
+          <a:solidFill>
+            <a:schemeClr val="tx1"/>
+          </a:solidFill>
+          <a:ln>
+            <a:noFill/>
+          </a:ln>
+        </p:spPr>
+        <p:style>
+          <a:lnRef idx="2">
+            <a:schemeClr val="accent1">
+              <a:shade val="50000"/>
+            </a:schemeClr>
+          </a:lnRef>
+          <a:fillRef idx="1">
+            <a:schemeClr val="accent1"/>
+          </a:fillRef>
+          <a:effectRef idx="0">
+            <a:schemeClr val="accent1"/>
+          </a:effectRef>
+          <a:fontRef idx="minor">
+            <a:schemeClr val="lt1"/>
+          </a:fontRef>
+        </p:style>
+        <p:txBody>
+          <a:bodyPr rtlCol="0" anchor="ctr"/>
+          <a:lstStyle/>
+          <a:p>
+            <a:pPr algn="ctr"/>
+            <a:endParaRPr lang="en-US"/>
+          </a:p>
+        </p:txBody>
+      </p:sp>
+      <p:sp>
+        <p:nvSpPr>
+          <p:cNvPr id="29" name="TextBox 28">
+            <a:extLst>
+              <a:ext uri="{FF2B5EF4-FFF2-40B4-BE49-F238E27FC236}">
+                <a16:creationId xmlns:a16="http://schemas.microsoft.com/office/drawing/2014/main" id="{825BF4B8-3FF5-4CF7-BB95-F9320C06F7DA}"/>
+              </a:ext>
+            </a:extLst>
+          </p:cNvPr>
+          <p:cNvSpPr txBox="1"/>
+          <p:nvPr/>
+        </p:nvSpPr>
+        <p:spPr>
+          <a:xfrm>
+            <a:off x="9437445" y="2449880"/>
+            <a:ext cx="1514723" cy="369332"/>
+          </a:xfrm>
+          <a:prstGeom prst="rect">
+            <a:avLst/>
+          </a:prstGeom>
+          <a:noFill/>
+          <a:ln>
+            <a:noFill/>
+          </a:ln>
+        </p:spPr>
+        <p:txBody>
+          <a:bodyPr wrap="square" rtlCol="0">
+            <a:spAutoFit/>
+          </a:bodyPr>
+          <a:lstStyle/>
+          <a:p>
+            <a:pPr algn="ctr"/>
+            <a:r>
+              <a:rPr lang="en-US" b="1" dirty="0">
+                <a:solidFill>
+                  <a:schemeClr val="accent6"/>
+                </a:solidFill>
+              </a:rPr>
+              <a:t>10¢</a:t>
+            </a:r>
+            <a:r>
+              <a:rPr lang="en-US" b="1" dirty="0">
+                <a:solidFill>
+                  <a:schemeClr val="bg1"/>
+                </a:solidFill>
+              </a:rPr>
+              <a:t> or more </a:t>
+            </a:r>
+            <a:endParaRPr lang="en-US" dirty="0"/>
+          </a:p>
+        </p:txBody>
+      </p:sp>
+      <p:sp>
+        <p:nvSpPr>
+          <p:cNvPr id="30" name="Rectangle 29">
+            <a:extLst>
+              <a:ext uri="{FF2B5EF4-FFF2-40B4-BE49-F238E27FC236}">
+                <a16:creationId xmlns:a16="http://schemas.microsoft.com/office/drawing/2014/main" id="{8C937DA1-9082-4700-812C-811E5FAA6698}"/>
+              </a:ext>
+            </a:extLst>
+          </p:cNvPr>
+          <p:cNvSpPr/>
+          <p:nvPr/>
+        </p:nvSpPr>
+        <p:spPr>
+          <a:xfrm>
+            <a:off x="9465270" y="2775811"/>
+            <a:ext cx="1459065" cy="387283"/>
+          </a:xfrm>
+          <a:prstGeom prst="rect">
+            <a:avLst/>
+          </a:prstGeom>
+          <a:noFill/>
+          <a:ln w="57150">
+            <a:solidFill>
+              <a:schemeClr val="tx1"/>
+            </a:solidFill>
+          </a:ln>
+        </p:spPr>
+        <p:style>
+          <a:lnRef idx="2">
+            <a:schemeClr val="accent1">
+              <a:shade val="50000"/>
+            </a:schemeClr>
+          </a:lnRef>
+          <a:fillRef idx="1">
+            <a:schemeClr val="accent1"/>
+          </a:fillRef>
+          <a:effectRef idx="0">
+            <a:schemeClr val="accent1"/>
+          </a:effectRef>
+          <a:fontRef idx="minor">
+            <a:schemeClr val="lt1"/>
+          </a:fontRef>
+        </p:style>
+        <p:txBody>
+          <a:bodyPr rtlCol="0" anchor="ctr"/>
+          <a:lstStyle/>
+          <a:p>
+            <a:pPr algn="ctr"/>
+            <a:endParaRPr lang="en-US"/>
+          </a:p>
+        </p:txBody>
+      </p:sp>
+      <p:sp>
+        <p:nvSpPr>
+          <p:cNvPr id="31" name="TextBox 30">
+            <a:extLst>
+              <a:ext uri="{FF2B5EF4-FFF2-40B4-BE49-F238E27FC236}">
+                <a16:creationId xmlns:a16="http://schemas.microsoft.com/office/drawing/2014/main" id="{F79C316D-19ED-442C-89F0-DF0E6183188F}"/>
+              </a:ext>
+            </a:extLst>
+          </p:cNvPr>
+          <p:cNvSpPr txBox="1"/>
+          <p:nvPr/>
+        </p:nvSpPr>
+        <p:spPr>
+          <a:xfrm>
+            <a:off x="70751" y="4941286"/>
+            <a:ext cx="12192000" cy="1938992"/>
+          </a:xfrm>
+          <a:prstGeom prst="rect">
+            <a:avLst/>
+          </a:prstGeom>
+          <a:noFill/>
+        </p:spPr>
+        <p:txBody>
+          <a:bodyPr wrap="square" rtlCol="0">
+            <a:spAutoFit/>
+          </a:bodyPr>
+          <a:lstStyle/>
+          <a:p>
+            <a:pPr algn="ctr"/>
+            <a:r>
+              <a:rPr lang="en-US" sz="2400" dirty="0"/>
+              <a:t>Like in the previous sessions, whenever you collect more than </a:t>
+            </a:r>
+            <a:r>
               <a:rPr lang="en-US" sz="2400" b="1" dirty="0">
                 <a:solidFill>
                   <a:schemeClr val="accent6"/>
                 </a:solidFill>
               </a:rPr>
-              <a:t>Do you have any questions?</a:t>
-            </a:r>
+              <a:t>10¢ </a:t>
+            </a:r>
+            <a:r>
+              <a:rPr lang="en-US" sz="2400" dirty="0"/>
+              <a:t>in a round the money will be added to your </a:t>
+            </a:r>
+            <a:r>
+              <a:rPr lang="en-US" sz="2400" b="1" dirty="0"/>
+              <a:t>Total Bonus Payment. </a:t>
+            </a:r>
+            <a:r>
+              <a:rPr lang="en-US" sz="2400" dirty="0"/>
+              <a:t>You will only find out your </a:t>
+            </a:r>
+            <a:r>
+              <a:rPr lang="en-US" sz="2400" b="1" dirty="0"/>
+              <a:t>Total Bonus Payment </a:t>
+            </a:r>
+            <a:r>
+              <a:rPr lang="en-US" sz="2400" dirty="0"/>
+              <a:t>at the end of the experiment.</a:t>
+            </a:r>
+          </a:p>
+          <a:p>
+            <a:pPr algn="ctr"/>
+            <a:endParaRPr lang="en-US" sz="2400" dirty="0"/>
+          </a:p>
+          <a:p>
+            <a:pPr algn="ctr"/>
+            <a:endParaRPr lang="en-US" sz="2400" dirty="0"/>
           </a:p>
         </p:txBody>
       </p:sp>
@@ -8457,13 +9326,13 @@
         </p:nvSpPr>
         <p:spPr>
           <a:xfrm>
-            <a:off x="838200" y="453381"/>
+            <a:off x="838200" y="214124"/>
             <a:ext cx="10515600" cy="2289819"/>
           </a:xfrm>
         </p:spPr>
         <p:txBody>
           <a:bodyPr>
-            <a:normAutofit lnSpcReduction="10000"/>
+            <a:normAutofit/>
           </a:bodyPr>
           <a:lstStyle/>
           <a:p>
@@ -8472,7 +9341,32 @@
             </a:pPr>
             <a:r>
               <a:rPr lang="en-US" sz="3600" b="1" dirty="0"/>
-              <a:t>BONUS PAYMENT</a:t>
+              <a:t>Hint!</a:t>
+            </a:r>
+          </a:p>
+          <a:p>
+            <a:pPr marL="0" indent="0" algn="ctr">
+              <a:buNone/>
+            </a:pPr>
+            <a:r>
+              <a:rPr lang="en-US" sz="2400" dirty="0"/>
+              <a:t>There is an </a:t>
+            </a:r>
+            <a:r>
+              <a:rPr lang="en-US" sz="2400" b="1" dirty="0"/>
+              <a:t>UNLIMITED</a:t>
+            </a:r>
+            <a:r>
+              <a:rPr lang="en-US" sz="2400" dirty="0"/>
+              <a:t> amount of money to collect in each round so the more you move around in the </a:t>
+            </a:r>
+            <a:r>
+              <a:rPr lang="en-US" sz="2400" b="1" dirty="0"/>
+              <a:t>correct area </a:t>
+            </a:r>
+            <a:r>
+              <a:rPr lang="en-US" sz="2400" dirty="0"/>
+              <a:t>the more money you will collect!!</a:t>
             </a:r>
           </a:p>
           <a:p>
@@ -8480,196 +9374,9 @@
               <a:buNone/>
             </a:pPr>
             <a:r>
-              <a:rPr lang="en-US" sz="2400" dirty="0"/>
-              <a:t>	There is an </a:t>
-            </a:r>
-            <a:r>
-              <a:rPr lang="en-US" sz="2400" b="1" dirty="0"/>
-              <a:t>UNLIMITED</a:t>
-            </a:r>
-            <a:r>
-              <a:rPr lang="en-US" sz="2400" dirty="0"/>
-              <a:t> amount of money to collect in each round and any money you collect you will receive as a </a:t>
-            </a:r>
-            <a:r>
-              <a:rPr lang="en-US" sz="2400" b="1" dirty="0">
-                <a:solidFill>
-                  <a:schemeClr val="accent6"/>
-                </a:solidFill>
-              </a:rPr>
-              <a:t>BONUS PAYMENT </a:t>
-            </a:r>
-            <a:r>
-              <a:rPr lang="en-US" sz="2400" dirty="0"/>
-              <a:t>at the end of the experiment! </a:t>
-            </a:r>
-          </a:p>
-          <a:p>
-            <a:pPr marL="0" indent="0">
-              <a:buNone/>
-            </a:pPr>
-            <a:r>
               <a:rPr lang="en-US" altLang="zh-CN" sz="2400" dirty="0"/>
-              <a:t>	Same</a:t>
-            </a:r>
-            <a:r>
-              <a:rPr lang="zh-CN" altLang="en-US" sz="2400" dirty="0"/>
-              <a:t> </a:t>
-            </a:r>
-            <a:r>
-              <a:rPr lang="en-US" altLang="zh-CN" sz="2400" dirty="0"/>
-              <a:t>as</a:t>
-            </a:r>
-            <a:r>
-              <a:rPr lang="zh-CN" altLang="en-US" sz="2400" dirty="0"/>
-              <a:t> </a:t>
-            </a:r>
-            <a:r>
-              <a:rPr lang="en-US" altLang="zh-CN" sz="2400" dirty="0"/>
-              <a:t>before,</a:t>
-            </a:r>
-            <a:r>
-              <a:rPr lang="zh-CN" altLang="en-US" sz="2400" dirty="0"/>
-              <a:t> </a:t>
-            </a:r>
-            <a:r>
-              <a:rPr lang="en-US" altLang="zh-CN" sz="2400" dirty="0"/>
-              <a:t>you</a:t>
-            </a:r>
-            <a:r>
-              <a:rPr lang="zh-CN" altLang="en-US" sz="2400" dirty="0"/>
-              <a:t> </a:t>
-            </a:r>
-            <a:r>
-              <a:rPr lang="en-US" altLang="zh-CN" sz="2400" dirty="0"/>
-              <a:t>will</a:t>
-            </a:r>
-            <a:r>
-              <a:rPr lang="zh-CN" altLang="en-US" sz="2400" dirty="0"/>
-              <a:t> </a:t>
-            </a:r>
-            <a:r>
-              <a:rPr lang="en-US" altLang="zh-CN" sz="2400" dirty="0"/>
-              <a:t>need</a:t>
-            </a:r>
-            <a:r>
-              <a:rPr lang="zh-CN" altLang="en-US" sz="2400" dirty="0"/>
-              <a:t> </a:t>
-            </a:r>
-            <a:r>
-              <a:rPr lang="en-US" altLang="zh-CN" sz="2400" dirty="0"/>
-              <a:t>collect</a:t>
-            </a:r>
-            <a:r>
-              <a:rPr lang="zh-CN" altLang="en-US" sz="2400" dirty="0"/>
-              <a:t> </a:t>
-            </a:r>
-            <a:r>
-              <a:rPr lang="en-US" altLang="zh-CN" sz="2400" dirty="0"/>
-              <a:t>at</a:t>
-            </a:r>
-            <a:r>
-              <a:rPr lang="zh-CN" altLang="en-US" sz="2400" dirty="0"/>
-              <a:t> </a:t>
-            </a:r>
-            <a:r>
-              <a:rPr lang="en-US" altLang="zh-CN" sz="2400" dirty="0"/>
-              <a:t>least</a:t>
-            </a:r>
-            <a:r>
-              <a:rPr lang="zh-CN" altLang="en-US" sz="2400" dirty="0"/>
-              <a:t> </a:t>
-            </a:r>
-            <a:r>
-              <a:rPr lang="en-US" sz="2400" b="1" dirty="0">
-                <a:solidFill>
-                  <a:schemeClr val="accent6"/>
-                </a:solidFill>
-              </a:rPr>
-              <a:t>10¢</a:t>
-            </a:r>
-            <a:r>
-              <a:rPr lang="zh-CN" altLang="en-US" sz="2400" b="1" dirty="0">
-                <a:solidFill>
-                  <a:schemeClr val="accent6"/>
-                </a:solidFill>
-              </a:rPr>
-              <a:t> </a:t>
-            </a:r>
-            <a:r>
-              <a:rPr lang="en-US" altLang="zh-CN" sz="2400" dirty="0"/>
-              <a:t>to</a:t>
-            </a:r>
-            <a:r>
-              <a:rPr lang="zh-CN" altLang="en-US" sz="2400" dirty="0"/>
-              <a:t> </a:t>
-            </a:r>
-            <a:r>
-              <a:rPr lang="en-US" altLang="zh-CN" sz="2400" dirty="0"/>
-              <a:t>have</a:t>
-            </a:r>
-            <a:r>
-              <a:rPr lang="zh-CN" altLang="en-US" sz="2400" dirty="0"/>
-              <a:t> </a:t>
-            </a:r>
-            <a:r>
-              <a:rPr lang="en-US" altLang="zh-CN" sz="2400" dirty="0"/>
-              <a:t>the</a:t>
-            </a:r>
-            <a:r>
-              <a:rPr lang="zh-CN" altLang="en-US" sz="2400" dirty="0"/>
-              <a:t> </a:t>
-            </a:r>
-            <a:r>
-              <a:rPr lang="en-US" altLang="zh-CN" sz="2400" dirty="0"/>
-              <a:t>money</a:t>
-            </a:r>
-            <a:r>
-              <a:rPr lang="zh-CN" altLang="en-US" sz="2400" dirty="0"/>
-              <a:t> </a:t>
-            </a:r>
-            <a:r>
-              <a:rPr lang="en-US" altLang="zh-CN" sz="2400" dirty="0"/>
-              <a:t>added</a:t>
-            </a:r>
-            <a:r>
-              <a:rPr lang="zh-CN" altLang="en-US" sz="2400" dirty="0"/>
-              <a:t> </a:t>
-            </a:r>
-            <a:r>
-              <a:rPr lang="en-US" altLang="zh-CN" sz="2400" dirty="0"/>
-              <a:t>to</a:t>
-            </a:r>
-            <a:r>
-              <a:rPr lang="zh-CN" altLang="en-US" sz="2400" dirty="0"/>
-              <a:t> </a:t>
-            </a:r>
-            <a:r>
-              <a:rPr lang="en-US" altLang="zh-CN" sz="2400" dirty="0"/>
-              <a:t>your</a:t>
-            </a:r>
-            <a:r>
-              <a:rPr lang="zh-CN" altLang="en-US" sz="2400" dirty="0"/>
-              <a:t> </a:t>
-            </a:r>
-            <a:r>
-              <a:rPr lang="en-US" altLang="zh-CN" sz="2400" dirty="0"/>
-              <a:t>final</a:t>
-            </a:r>
-            <a:r>
-              <a:rPr lang="zh-CN" altLang="en-US" sz="2400" dirty="0"/>
-              <a:t> </a:t>
-            </a:r>
-            <a:r>
-              <a:rPr lang="en-US" altLang="zh-CN" sz="2400" dirty="0"/>
-              <a:t>bonus.</a:t>
-            </a:r>
-            <a:endParaRPr lang="en-US" sz="2400" dirty="0"/>
-          </a:p>
-          <a:p>
-            <a:pPr marL="0" indent="0" algn="ctr">
-              <a:buNone/>
-            </a:pPr>
+              <a:t>	</a:t>
+            </a:r>
             <a:endParaRPr lang="en-US" sz="2400" dirty="0"/>
           </a:p>
         </p:txBody>
@@ -8702,7 +9409,7 @@
         </p:blipFill>
         <p:spPr>
           <a:xfrm>
-            <a:off x="4658085" y="2702061"/>
+            <a:off x="4708383" y="1970491"/>
             <a:ext cx="2981968" cy="3091946"/>
           </a:xfrm>
           <a:prstGeom prst="rect">
@@ -8747,6 +9454,67 @@
               </a:rPr>
               <a:t>Do you have any questions?</a:t>
             </a:r>
+          </a:p>
+        </p:txBody>
+      </p:sp>
+      <p:sp>
+        <p:nvSpPr>
+          <p:cNvPr id="6" name="TextBox 5">
+            <a:extLst>
+              <a:ext uri="{FF2B5EF4-FFF2-40B4-BE49-F238E27FC236}">
+                <a16:creationId xmlns:a16="http://schemas.microsoft.com/office/drawing/2014/main" id="{239D6A3B-674D-4EB1-918F-002CAF5E5EAA}"/>
+              </a:ext>
+            </a:extLst>
+          </p:cNvPr>
+          <p:cNvSpPr txBox="1"/>
+          <p:nvPr/>
+        </p:nvSpPr>
+        <p:spPr>
+          <a:xfrm>
+            <a:off x="0" y="5289659"/>
+            <a:ext cx="12192000" cy="892552"/>
+          </a:xfrm>
+          <a:prstGeom prst="rect">
+            <a:avLst/>
+          </a:prstGeom>
+          <a:noFill/>
+        </p:spPr>
+        <p:txBody>
+          <a:bodyPr wrap="square" rtlCol="0">
+            <a:spAutoFit/>
+          </a:bodyPr>
+          <a:lstStyle/>
+          <a:p>
+            <a:pPr algn="ctr"/>
+            <a:r>
+              <a:rPr lang="en-US" sz="2800" dirty="0">
+                <a:solidFill>
+                  <a:srgbClr val="FF0000"/>
+                </a:solidFill>
+              </a:rPr>
+              <a:t>Use what you learned in the </a:t>
+            </a:r>
+            <a:r>
+              <a:rPr lang="en-US" sz="2800" b="1" dirty="0">
+                <a:solidFill>
+                  <a:srgbClr val="FF0000"/>
+                </a:solidFill>
+              </a:rPr>
+              <a:t>Previous Sessions </a:t>
+            </a:r>
+            <a:r>
+              <a:rPr lang="en-US" sz="2800" dirty="0">
+                <a:solidFill>
+                  <a:srgbClr val="FF0000"/>
+                </a:solidFill>
+              </a:rPr>
+              <a:t>to guide your search!</a:t>
+            </a:r>
+            <a:endParaRPr lang="en-US" sz="2800" dirty="0"/>
+          </a:p>
+          <a:p>
+            <a:pPr algn="ctr"/>
+            <a:endParaRPr lang="en-US" sz="2400" dirty="0"/>
           </a:p>
         </p:txBody>
       </p:sp>
@@ -8764,108 +9532,6 @@
 </file>
 
 <file path=ppt/slides/slide7.xml><?xml version="1.0" encoding="utf-8"?>
-<p:sld xmlns:a="http://schemas.openxmlformats.org/drawingml/2006/main" xmlns:r="http://schemas.openxmlformats.org/officeDocument/2006/relationships" xmlns:p="http://schemas.openxmlformats.org/presentationml/2006/main">
-  <p:cSld>
-    <p:spTree>
-      <p:nvGrpSpPr>
-        <p:cNvPr id="1" name=""/>
-        <p:cNvGrpSpPr/>
-        <p:nvPr/>
-      </p:nvGrpSpPr>
-      <p:grpSpPr>
-        <a:xfrm>
-          <a:off x="0" y="0"/>
-          <a:ext cx="0" cy="0"/>
-          <a:chOff x="0" y="0"/>
-          <a:chExt cx="0" cy="0"/>
-        </a:xfrm>
-      </p:grpSpPr>
-      <p:sp>
-        <p:nvSpPr>
-          <p:cNvPr id="2" name="Title 1">
-            <a:extLst>
-              <a:ext uri="{FF2B5EF4-FFF2-40B4-BE49-F238E27FC236}">
-                <a16:creationId xmlns:a16="http://schemas.microsoft.com/office/drawing/2014/main" id="{D6CD4B35-A993-4E22-A969-0E3C103C553E}"/>
-              </a:ext>
-            </a:extLst>
-          </p:cNvPr>
-          <p:cNvSpPr>
-            <a:spLocks noGrp="1"/>
-          </p:cNvSpPr>
-          <p:nvPr>
-            <p:ph type="title"/>
-          </p:nvPr>
-        </p:nvSpPr>
-        <p:spPr>
-          <a:xfrm>
-            <a:off x="798635" y="2062040"/>
-            <a:ext cx="10515600" cy="1325563"/>
-          </a:xfrm>
-        </p:spPr>
-        <p:txBody>
-          <a:bodyPr>
-            <a:normAutofit/>
-          </a:bodyPr>
-          <a:lstStyle/>
-          <a:p>
-            <a:pPr algn="ctr"/>
-            <a:r>
-              <a:rPr lang="en-US" sz="6600" b="1" dirty="0"/>
-              <a:t>HINT!!</a:t>
-            </a:r>
-          </a:p>
-        </p:txBody>
-      </p:sp>
-      <p:sp>
-        <p:nvSpPr>
-          <p:cNvPr id="3" name="Content Placeholder 2">
-            <a:extLst>
-              <a:ext uri="{FF2B5EF4-FFF2-40B4-BE49-F238E27FC236}">
-                <a16:creationId xmlns:a16="http://schemas.microsoft.com/office/drawing/2014/main" id="{10841293-2A56-4DF4-9A52-474518E65089}"/>
-              </a:ext>
-            </a:extLst>
-          </p:cNvPr>
-          <p:cNvSpPr>
-            <a:spLocks noGrp="1"/>
-          </p:cNvSpPr>
-          <p:nvPr>
-            <p:ph idx="1"/>
-          </p:nvPr>
-        </p:nvSpPr>
-        <p:spPr>
-          <a:xfrm>
-            <a:off x="290146" y="3522540"/>
-            <a:ext cx="11649807" cy="662598"/>
-          </a:xfrm>
-        </p:spPr>
-        <p:txBody>
-          <a:bodyPr/>
-          <a:lstStyle/>
-          <a:p>
-            <a:pPr marL="0" indent="0" algn="ctr">
-              <a:buNone/>
-            </a:pPr>
-            <a:r>
-              <a:rPr lang="en-US" b="1" dirty="0"/>
-              <a:t>Use what you’ve learned from previous sessions to guide your search!</a:t>
-            </a:r>
-          </a:p>
-        </p:txBody>
-      </p:sp>
-    </p:spTree>
-    <p:extLst>
-      <p:ext uri="{BB962C8B-B14F-4D97-AF65-F5344CB8AC3E}">
-        <p14:creationId xmlns:p14="http://schemas.microsoft.com/office/powerpoint/2010/main" val="4148190566"/>
-      </p:ext>
-    </p:extLst>
-  </p:cSld>
-  <p:clrMapOvr>
-    <a:masterClrMapping/>
-  </p:clrMapOvr>
-</p:sld>
-</file>
-
-<file path=ppt/slides/slide8.xml><?xml version="1.0" encoding="utf-8"?>
 <p:sld xmlns:a="http://schemas.openxmlformats.org/drawingml/2006/main" xmlns:r="http://schemas.openxmlformats.org/officeDocument/2006/relationships" xmlns:p="http://schemas.openxmlformats.org/presentationml/2006/main">
   <p:cSld>
     <p:spTree>
@@ -9051,7 +9717,7 @@
             <a:noFill/>
             <a:extLst>
               <a:ext uri="{909E8E84-426E-40dd-AFC4-6F175D3DCCD1}">
-                <a14:hiddenFill xmlns="" xmlns:a14="http://schemas.microsoft.com/office/drawing/2010/main">
+                <a14:hiddenFill xmlns:a14="http://schemas.microsoft.com/office/drawing/2010/main" xmlns="">
                   <a:solidFill>
                     <a:srgbClr val="FFFFFF"/>
                   </a:solidFill>
@@ -9096,7 +9762,7 @@
             <a:noFill/>
             <a:extLst>
               <a:ext uri="{909E8E84-426E-40dd-AFC4-6F175D3DCCD1}">
-                <a14:hiddenFill xmlns="" xmlns:a14="http://schemas.microsoft.com/office/drawing/2010/main">
+                <a14:hiddenFill xmlns:a14="http://schemas.microsoft.com/office/drawing/2010/main" xmlns="">
                   <a:solidFill>
                     <a:srgbClr val="FFFFFF"/>
                   </a:solidFill>
@@ -9141,7 +9807,7 @@
             <a:noFill/>
             <a:extLst>
               <a:ext uri="{909E8E84-426E-40dd-AFC4-6F175D3DCCD1}">
-                <a14:hiddenFill xmlns="" xmlns:a14="http://schemas.microsoft.com/office/drawing/2010/main">
+                <a14:hiddenFill xmlns:a14="http://schemas.microsoft.com/office/drawing/2010/main" xmlns="">
                   <a:solidFill>
                     <a:srgbClr val="FFFFFF"/>
                   </a:solidFill>
@@ -9190,6 +9856,116 @@
     <p:extLst>
       <p:ext uri="{BB962C8B-B14F-4D97-AF65-F5344CB8AC3E}">
         <p14:creationId xmlns:p14="http://schemas.microsoft.com/office/powerpoint/2010/main" val="2308276908"/>
+      </p:ext>
+    </p:extLst>
+  </p:cSld>
+  <p:clrMapOvr>
+    <a:masterClrMapping/>
+  </p:clrMapOvr>
+</p:sld>
+</file>
+
+<file path=ppt/slides/slide8.xml><?xml version="1.0" encoding="utf-8"?>
+<p:sld xmlns:a="http://schemas.openxmlformats.org/drawingml/2006/main" xmlns:r="http://schemas.openxmlformats.org/officeDocument/2006/relationships" xmlns:p="http://schemas.openxmlformats.org/presentationml/2006/main">
+  <p:cSld>
+    <p:spTree>
+      <p:nvGrpSpPr>
+        <p:cNvPr id="1" name=""/>
+        <p:cNvGrpSpPr/>
+        <p:nvPr/>
+      </p:nvGrpSpPr>
+      <p:grpSpPr>
+        <a:xfrm>
+          <a:off x="0" y="0"/>
+          <a:ext cx="0" cy="0"/>
+          <a:chOff x="0" y="0"/>
+          <a:chExt cx="0" cy="0"/>
+        </a:xfrm>
+      </p:grpSpPr>
+      <p:sp>
+        <p:nvSpPr>
+          <p:cNvPr id="2" name="Title 1">
+            <a:extLst>
+              <a:ext uri="{FF2B5EF4-FFF2-40B4-BE49-F238E27FC236}">
+                <a16:creationId xmlns:a16="http://schemas.microsoft.com/office/drawing/2014/main" id="{897D8E5E-9252-4150-97C4-51C3C2C38837}"/>
+              </a:ext>
+            </a:extLst>
+          </p:cNvPr>
+          <p:cNvSpPr>
+            <a:spLocks noGrp="1"/>
+          </p:cNvSpPr>
+          <p:nvPr>
+            <p:ph type="title"/>
+          </p:nvPr>
+        </p:nvSpPr>
+        <p:spPr>
+          <a:xfrm>
+            <a:off x="838200" y="2257472"/>
+            <a:ext cx="10515600" cy="2343056"/>
+          </a:xfrm>
+        </p:spPr>
+        <p:txBody>
+          <a:bodyPr>
+            <a:normAutofit/>
+          </a:bodyPr>
+          <a:lstStyle/>
+          <a:p>
+            <a:pPr algn="ctr"/>
+            <a:r>
+              <a:rPr lang="en-US" sz="11500" b="1" dirty="0"/>
+              <a:t>Great Work!</a:t>
+            </a:r>
+            <a:br>
+              <a:rPr lang="en-US" dirty="0"/>
+            </a:br>
+            <a:endParaRPr lang="en-US" dirty="0"/>
+          </a:p>
+        </p:txBody>
+      </p:sp>
+      <p:sp>
+        <p:nvSpPr>
+          <p:cNvPr id="3" name="TextBox 2">
+            <a:extLst>
+              <a:ext uri="{FF2B5EF4-FFF2-40B4-BE49-F238E27FC236}">
+                <a16:creationId xmlns:a16="http://schemas.microsoft.com/office/drawing/2014/main" id="{95AE8B83-7E5A-40E4-BE07-BDDEAAF38097}"/>
+              </a:ext>
+            </a:extLst>
+          </p:cNvPr>
+          <p:cNvSpPr txBox="1"/>
+          <p:nvPr/>
+        </p:nvSpPr>
+        <p:spPr>
+          <a:xfrm>
+            <a:off x="2086484" y="4021706"/>
+            <a:ext cx="8019033" cy="461665"/>
+          </a:xfrm>
+          <a:prstGeom prst="rect">
+            <a:avLst/>
+          </a:prstGeom>
+          <a:noFill/>
+        </p:spPr>
+        <p:txBody>
+          <a:bodyPr wrap="square" rtlCol="0">
+            <a:spAutoFit/>
+          </a:bodyPr>
+          <a:lstStyle/>
+          <a:p>
+            <a:pPr algn="ctr"/>
+            <a:r>
+              <a:rPr lang="en-US" sz="2400" b="1" dirty="0">
+                <a:solidFill>
+                  <a:schemeClr val="accent6"/>
+                </a:solidFill>
+              </a:rPr>
+              <a:t>Notify the Experimenter that you’ve completed this section</a:t>
+            </a:r>
+          </a:p>
+        </p:txBody>
+      </p:sp>
+    </p:spTree>
+    <p:extLst>
+      <p:ext uri="{BB962C8B-B14F-4D97-AF65-F5344CB8AC3E}">
+        <p14:creationId xmlns:p14="http://schemas.microsoft.com/office/powerpoint/2010/main" val="4169222507"/>
       </p:ext>
     </p:extLst>
   </p:cSld>
@@ -9218,10 +9994,10 @@
       </p:grpSpPr>
       <p:sp>
         <p:nvSpPr>
-          <p:cNvPr id="2" name="Title 1">
-            <a:extLst>
-              <a:ext uri="{FF2B5EF4-FFF2-40B4-BE49-F238E27FC236}">
-                <a16:creationId xmlns:a16="http://schemas.microsoft.com/office/drawing/2014/main" id="{897D8E5E-9252-4150-97C4-51C3C2C38837}"/>
+          <p:cNvPr id="3" name="Content Placeholder 2">
+            <a:extLst>
+              <a:ext uri="{FF2B5EF4-FFF2-40B4-BE49-F238E27FC236}">
+                <a16:creationId xmlns:a16="http://schemas.microsoft.com/office/drawing/2014/main" id="{F30CF4C7-88AC-4C0C-82FC-A71F5AFC0F44}"/>
               </a:ext>
             </a:extLst>
           </p:cNvPr>
@@ -9229,13 +10005,13 @@
             <a:spLocks noGrp="1"/>
           </p:cNvSpPr>
           <p:nvPr>
-            <p:ph type="title"/>
+            <p:ph idx="1"/>
           </p:nvPr>
         </p:nvSpPr>
         <p:spPr>
           <a:xfrm>
-            <a:off x="838200" y="2257472"/>
-            <a:ext cx="10515600" cy="2343056"/>
+            <a:off x="132941" y="965195"/>
+            <a:ext cx="11926111" cy="2044451"/>
           </a:xfrm>
         </p:spPr>
         <p:txBody>
@@ -9244,24 +10020,56 @@
           </a:bodyPr>
           <a:lstStyle/>
           <a:p>
-            <a:pPr algn="ctr"/>
-            <a:r>
-              <a:rPr lang="en-US" sz="11500" b="1" dirty="0"/>
-              <a:t>Great Work!</a:t>
-            </a:r>
-            <a:br>
-              <a:rPr lang="en-US" dirty="0"/>
-            </a:br>
-            <a:endParaRPr lang="en-US" dirty="0"/>
-          </a:p>
-        </p:txBody>
-      </p:sp>
-      <p:sp>
-        <p:nvSpPr>
-          <p:cNvPr id="3" name="TextBox 2">
-            <a:extLst>
-              <a:ext uri="{FF2B5EF4-FFF2-40B4-BE49-F238E27FC236}">
-                <a16:creationId xmlns:a16="http://schemas.microsoft.com/office/drawing/2014/main" id="{95AE8B83-7E5A-40E4-BE07-BDDEAAF38097}"/>
+            <a:pPr marL="0" indent="0" algn="ctr">
+              <a:buNone/>
+            </a:pPr>
+            <a:r>
+              <a:rPr lang="en-US" altLang="zh-CN" sz="2400" dirty="0"/>
+              <a:t>In this next section your will be placed into </a:t>
+            </a:r>
+            <a:r>
+              <a:rPr lang="en-US" altLang="zh-CN" sz="2400" b="1" dirty="0"/>
+              <a:t>several new variations </a:t>
+            </a:r>
+            <a:r>
+              <a:rPr lang="en-US" altLang="zh-CN" sz="2400" dirty="0"/>
+              <a:t>of the environments you have learned about</a:t>
+            </a:r>
+            <a:r>
+              <a:rPr lang="en-US" sz="2400" dirty="0"/>
+              <a:t>. On each round, you will be placed into one of the environments that you learned in the previous sessions. Once in the environment you will have </a:t>
+            </a:r>
+            <a:r>
+              <a:rPr lang="en-US" sz="2400" b="1" dirty="0"/>
+              <a:t>1-minute</a:t>
+            </a:r>
+            <a:r>
+              <a:rPr lang="en-US" sz="2400" dirty="0"/>
+              <a:t> to </a:t>
+            </a:r>
+            <a:r>
+              <a:rPr lang="en-US" sz="2400" b="1" dirty="0"/>
+              <a:t>collect as much money as possible!!</a:t>
+            </a:r>
+            <a:r>
+              <a:rPr lang="en-US" sz="2400" dirty="0"/>
+              <a:t> </a:t>
+            </a:r>
+          </a:p>
+          <a:p>
+            <a:pPr marL="0" indent="0" algn="ctr">
+              <a:buNone/>
+            </a:pPr>
+            <a:endParaRPr lang="en-US" sz="2400" dirty="0"/>
+          </a:p>
+        </p:txBody>
+      </p:sp>
+      <p:sp>
+        <p:nvSpPr>
+          <p:cNvPr id="8" name="TextBox 7">
+            <a:extLst>
+              <a:ext uri="{FF2B5EF4-FFF2-40B4-BE49-F238E27FC236}">
+                <a16:creationId xmlns:a16="http://schemas.microsoft.com/office/drawing/2014/main" id="{6D69B7DF-CC2C-9344-8F1E-4820BF36D0B5}"/>
               </a:ext>
             </a:extLst>
           </p:cNvPr>
@@ -9270,8 +10078,8 @@
         </p:nvSpPr>
         <p:spPr>
           <a:xfrm>
-            <a:off x="2086484" y="4021706"/>
-            <a:ext cx="8019033" cy="461665"/>
+            <a:off x="3886467" y="6182211"/>
+            <a:ext cx="4782193" cy="461665"/>
           </a:xfrm>
           <a:prstGeom prst="rect">
             <a:avLst/>
@@ -9291,15 +10099,466 @@
                   <a:schemeClr val="accent6"/>
                 </a:solidFill>
               </a:rPr>
-              <a:t>Notify the Experimenter that you’ve completed this section</a:t>
-            </a:r>
-          </a:p>
-        </p:txBody>
-      </p:sp>
+              <a:t>Do you have any questions?</a:t>
+            </a:r>
+          </a:p>
+        </p:txBody>
+      </p:sp>
+      <p:sp>
+        <p:nvSpPr>
+          <p:cNvPr id="7" name="Content Placeholder 2">
+            <a:extLst>
+              <a:ext uri="{FF2B5EF4-FFF2-40B4-BE49-F238E27FC236}">
+                <a16:creationId xmlns:a16="http://schemas.microsoft.com/office/drawing/2014/main" id="{C7EB23E6-7245-433A-8E56-C24BA717D822}"/>
+              </a:ext>
+            </a:extLst>
+          </p:cNvPr>
+          <p:cNvSpPr txBox="1">
+            <a:spLocks/>
+          </p:cNvSpPr>
+          <p:nvPr/>
+        </p:nvSpPr>
+        <p:spPr>
+          <a:xfrm>
+            <a:off x="132941" y="298317"/>
+            <a:ext cx="11926111" cy="576098"/>
+          </a:xfrm>
+          <a:prstGeom prst="rect">
+            <a:avLst/>
+          </a:prstGeom>
+        </p:spPr>
+        <p:txBody>
+          <a:bodyPr vert="horz" lIns="91440" tIns="45720" rIns="91440" bIns="45720" rtlCol="0">
+            <a:normAutofit lnSpcReduction="10000"/>
+          </a:bodyPr>
+          <a:lstStyle>
+            <a:lvl1pPr marL="228600" indent="-228600" algn="l" defTabSz="914400" rtl="0" eaLnBrk="1" latinLnBrk="0" hangingPunct="1">
+              <a:lnSpc>
+                <a:spcPct val="90000"/>
+              </a:lnSpc>
+              <a:spcBef>
+                <a:spcPts val="1000"/>
+              </a:spcBef>
+              <a:buFont typeface="Arial" panose="020B0604020202020204" pitchFamily="34" charset="0"/>
+              <a:buChar char="•"/>
+              <a:defRPr sz="2800" kern="1200">
+                <a:solidFill>
+                  <a:schemeClr val="tx1"/>
+                </a:solidFill>
+                <a:latin typeface="+mn-lt"/>
+                <a:ea typeface="+mn-ea"/>
+                <a:cs typeface="+mn-cs"/>
+              </a:defRPr>
+            </a:lvl1pPr>
+            <a:lvl2pPr marL="685800" indent="-228600" algn="l" defTabSz="914400" rtl="0" eaLnBrk="1" latinLnBrk="0" hangingPunct="1">
+              <a:lnSpc>
+                <a:spcPct val="90000"/>
+              </a:lnSpc>
+              <a:spcBef>
+                <a:spcPts val="500"/>
+              </a:spcBef>
+              <a:buFont typeface="Arial" panose="020B0604020202020204" pitchFamily="34" charset="0"/>
+              <a:buChar char="•"/>
+              <a:defRPr sz="2400" kern="1200">
+                <a:solidFill>
+                  <a:schemeClr val="tx1"/>
+                </a:solidFill>
+                <a:latin typeface="+mn-lt"/>
+                <a:ea typeface="+mn-ea"/>
+                <a:cs typeface="+mn-cs"/>
+              </a:defRPr>
+            </a:lvl2pPr>
+            <a:lvl3pPr marL="1143000" indent="-228600" algn="l" defTabSz="914400" rtl="0" eaLnBrk="1" latinLnBrk="0" hangingPunct="1">
+              <a:lnSpc>
+                <a:spcPct val="90000"/>
+              </a:lnSpc>
+              <a:spcBef>
+                <a:spcPts val="500"/>
+              </a:spcBef>
+              <a:buFont typeface="Arial" panose="020B0604020202020204" pitchFamily="34" charset="0"/>
+              <a:buChar char="•"/>
+              <a:defRPr sz="2000" kern="1200">
+                <a:solidFill>
+                  <a:schemeClr val="tx1"/>
+                </a:solidFill>
+                <a:latin typeface="+mn-lt"/>
+                <a:ea typeface="+mn-ea"/>
+                <a:cs typeface="+mn-cs"/>
+              </a:defRPr>
+            </a:lvl3pPr>
+            <a:lvl4pPr marL="1600200" indent="-228600" algn="l" defTabSz="914400" rtl="0" eaLnBrk="1" latinLnBrk="0" hangingPunct="1">
+              <a:lnSpc>
+                <a:spcPct val="90000"/>
+              </a:lnSpc>
+              <a:spcBef>
+                <a:spcPts val="500"/>
+              </a:spcBef>
+              <a:buFont typeface="Arial" panose="020B0604020202020204" pitchFamily="34" charset="0"/>
+              <a:buChar char="•"/>
+              <a:defRPr sz="1800" kern="1200">
+                <a:solidFill>
+                  <a:schemeClr val="tx1"/>
+                </a:solidFill>
+                <a:latin typeface="+mn-lt"/>
+                <a:ea typeface="+mn-ea"/>
+                <a:cs typeface="+mn-cs"/>
+              </a:defRPr>
+            </a:lvl4pPr>
+            <a:lvl5pPr marL="2057400" indent="-228600" algn="l" defTabSz="914400" rtl="0" eaLnBrk="1" latinLnBrk="0" hangingPunct="1">
+              <a:lnSpc>
+                <a:spcPct val="90000"/>
+              </a:lnSpc>
+              <a:spcBef>
+                <a:spcPts val="500"/>
+              </a:spcBef>
+              <a:buFont typeface="Arial" panose="020B0604020202020204" pitchFamily="34" charset="0"/>
+              <a:buChar char="•"/>
+              <a:defRPr sz="1800" kern="1200">
+                <a:solidFill>
+                  <a:schemeClr val="tx1"/>
+                </a:solidFill>
+                <a:latin typeface="+mn-lt"/>
+                <a:ea typeface="+mn-ea"/>
+                <a:cs typeface="+mn-cs"/>
+              </a:defRPr>
+            </a:lvl5pPr>
+            <a:lvl6pPr marL="2514600" indent="-228600" algn="l" defTabSz="914400" rtl="0" eaLnBrk="1" latinLnBrk="0" hangingPunct="1">
+              <a:lnSpc>
+                <a:spcPct val="90000"/>
+              </a:lnSpc>
+              <a:spcBef>
+                <a:spcPts val="500"/>
+              </a:spcBef>
+              <a:buFont typeface="Arial" panose="020B0604020202020204" pitchFamily="34" charset="0"/>
+              <a:buChar char="•"/>
+              <a:defRPr sz="1800" kern="1200">
+                <a:solidFill>
+                  <a:schemeClr val="tx1"/>
+                </a:solidFill>
+                <a:latin typeface="+mn-lt"/>
+                <a:ea typeface="+mn-ea"/>
+                <a:cs typeface="+mn-cs"/>
+              </a:defRPr>
+            </a:lvl6pPr>
+            <a:lvl7pPr marL="2971800" indent="-228600" algn="l" defTabSz="914400" rtl="0" eaLnBrk="1" latinLnBrk="0" hangingPunct="1">
+              <a:lnSpc>
+                <a:spcPct val="90000"/>
+              </a:lnSpc>
+              <a:spcBef>
+                <a:spcPts val="500"/>
+              </a:spcBef>
+              <a:buFont typeface="Arial" panose="020B0604020202020204" pitchFamily="34" charset="0"/>
+              <a:buChar char="•"/>
+              <a:defRPr sz="1800" kern="1200">
+                <a:solidFill>
+                  <a:schemeClr val="tx1"/>
+                </a:solidFill>
+                <a:latin typeface="+mn-lt"/>
+                <a:ea typeface="+mn-ea"/>
+                <a:cs typeface="+mn-cs"/>
+              </a:defRPr>
+            </a:lvl7pPr>
+            <a:lvl8pPr marL="3429000" indent="-228600" algn="l" defTabSz="914400" rtl="0" eaLnBrk="1" latinLnBrk="0" hangingPunct="1">
+              <a:lnSpc>
+                <a:spcPct val="90000"/>
+              </a:lnSpc>
+              <a:spcBef>
+                <a:spcPts val="500"/>
+              </a:spcBef>
+              <a:buFont typeface="Arial" panose="020B0604020202020204" pitchFamily="34" charset="0"/>
+              <a:buChar char="•"/>
+              <a:defRPr sz="1800" kern="1200">
+                <a:solidFill>
+                  <a:schemeClr val="tx1"/>
+                </a:solidFill>
+                <a:latin typeface="+mn-lt"/>
+                <a:ea typeface="+mn-ea"/>
+                <a:cs typeface="+mn-cs"/>
+              </a:defRPr>
+            </a:lvl8pPr>
+            <a:lvl9pPr marL="3886200" indent="-228600" algn="l" defTabSz="914400" rtl="0" eaLnBrk="1" latinLnBrk="0" hangingPunct="1">
+              <a:lnSpc>
+                <a:spcPct val="90000"/>
+              </a:lnSpc>
+              <a:spcBef>
+                <a:spcPts val="500"/>
+              </a:spcBef>
+              <a:buFont typeface="Arial" panose="020B0604020202020204" pitchFamily="34" charset="0"/>
+              <a:buChar char="•"/>
+              <a:defRPr sz="1800" kern="1200">
+                <a:solidFill>
+                  <a:schemeClr val="tx1"/>
+                </a:solidFill>
+                <a:latin typeface="+mn-lt"/>
+                <a:ea typeface="+mn-ea"/>
+                <a:cs typeface="+mn-cs"/>
+              </a:defRPr>
+            </a:lvl9pPr>
+          </a:lstStyle>
+          <a:p>
+            <a:pPr marL="0" indent="0" algn="ctr">
+              <a:buFont typeface="Arial" panose="020B0604020202020204" pitchFamily="34" charset="0"/>
+              <a:buNone/>
+            </a:pPr>
+            <a:r>
+              <a:rPr lang="en-US" altLang="zh-CN" sz="3600" b="1" dirty="0"/>
+              <a:t>Bonus</a:t>
+            </a:r>
+            <a:r>
+              <a:rPr lang="zh-CN" altLang="en-US" sz="3600" b="1" dirty="0"/>
+              <a:t> </a:t>
+            </a:r>
+            <a:r>
+              <a:rPr lang="en-US" altLang="zh-CN" sz="3600" b="1" dirty="0"/>
+              <a:t>Pay: Environment Variations</a:t>
+            </a:r>
+            <a:endParaRPr lang="en-US" sz="3600" b="1" dirty="0"/>
+          </a:p>
+          <a:p>
+            <a:pPr marL="0" indent="0" algn="ctr">
+              <a:buFont typeface="Arial" panose="020B0604020202020204" pitchFamily="34" charset="0"/>
+              <a:buNone/>
+            </a:pPr>
+            <a:endParaRPr lang="en-US" sz="2400" dirty="0"/>
+          </a:p>
+        </p:txBody>
+      </p:sp>
+      <p:pic>
+        <p:nvPicPr>
+          <p:cNvPr id="6" name="Graphic 5" descr="Stopwatch">
+            <a:extLst>
+              <a:ext uri="{FF2B5EF4-FFF2-40B4-BE49-F238E27FC236}">
+                <a16:creationId xmlns:a16="http://schemas.microsoft.com/office/drawing/2014/main" id="{1E51FC29-E721-4A09-BAF0-6F4583799BC0}"/>
+              </a:ext>
+            </a:extLst>
+          </p:cNvPr>
+          <p:cNvPicPr>
+            <a:picLocks noChangeAspect="1"/>
+          </p:cNvPicPr>
+          <p:nvPr/>
+        </p:nvPicPr>
+        <p:blipFill>
+          <a:blip r:embed="rId2">
+            <a:extLst>
+              <a:ext uri="{28A0092B-C50C-407E-A947-70E740481C1C}">
+                <a14:useLocalDpi xmlns:a14="http://schemas.microsoft.com/office/drawing/2010/main" val="0"/>
+              </a:ext>
+              <a:ext uri="{96DAC541-7B7A-43D3-8B79-37D633B846F1}">
+                <asvg:svgBlip xmlns:asvg="http://schemas.microsoft.com/office/drawing/2016/SVG/main" r:embed="rId3"/>
+              </a:ext>
+            </a:extLst>
+          </a:blip>
+          <a:stretch>
+            <a:fillRect/>
+          </a:stretch>
+        </p:blipFill>
+        <p:spPr>
+          <a:xfrm>
+            <a:off x="766125" y="3040343"/>
+            <a:ext cx="1870348" cy="1870348"/>
+          </a:xfrm>
+          <a:prstGeom prst="rect">
+            <a:avLst/>
+          </a:prstGeom>
+        </p:spPr>
+      </p:pic>
+      <p:sp>
+        <p:nvSpPr>
+          <p:cNvPr id="12" name="TextBox 11">
+            <a:extLst>
+              <a:ext uri="{FF2B5EF4-FFF2-40B4-BE49-F238E27FC236}">
+                <a16:creationId xmlns:a16="http://schemas.microsoft.com/office/drawing/2014/main" id="{3B1B4EB8-231C-4CDC-9CB4-23D1783581F6}"/>
+              </a:ext>
+            </a:extLst>
+          </p:cNvPr>
+          <p:cNvSpPr txBox="1"/>
+          <p:nvPr/>
+        </p:nvSpPr>
+        <p:spPr>
+          <a:xfrm>
+            <a:off x="625116" y="4828339"/>
+            <a:ext cx="2152365" cy="523220"/>
+          </a:xfrm>
+          <a:prstGeom prst="rect">
+            <a:avLst/>
+          </a:prstGeom>
+          <a:noFill/>
+        </p:spPr>
+        <p:txBody>
+          <a:bodyPr wrap="square" rtlCol="0">
+            <a:spAutoFit/>
+          </a:bodyPr>
+          <a:lstStyle/>
+          <a:p>
+            <a:pPr algn="ctr"/>
+            <a:r>
+              <a:rPr lang="en-US" sz="2800" b="1" dirty="0"/>
+              <a:t>1 Minute</a:t>
+            </a:r>
+          </a:p>
+        </p:txBody>
+      </p:sp>
+      <p:pic>
+        <p:nvPicPr>
+          <p:cNvPr id="14" name="Graphic 13" descr="Coins">
+            <a:extLst>
+              <a:ext uri="{FF2B5EF4-FFF2-40B4-BE49-F238E27FC236}">
+                <a16:creationId xmlns:a16="http://schemas.microsoft.com/office/drawing/2014/main" id="{99F62EEF-56BC-4D70-B937-C52380739C3A}"/>
+              </a:ext>
+            </a:extLst>
+          </p:cNvPr>
+          <p:cNvPicPr>
+            <a:picLocks noChangeAspect="1"/>
+          </p:cNvPicPr>
+          <p:nvPr/>
+        </p:nvPicPr>
+        <p:blipFill>
+          <a:blip r:embed="rId4">
+            <a:extLst>
+              <a:ext uri="{28A0092B-C50C-407E-A947-70E740481C1C}">
+                <a14:useLocalDpi xmlns:a14="http://schemas.microsoft.com/office/drawing/2010/main" val="0"/>
+              </a:ext>
+              <a:ext uri="{96DAC541-7B7A-43D3-8B79-37D633B846F1}">
+                <asvg:svgBlip xmlns:asvg="http://schemas.microsoft.com/office/drawing/2016/SVG/main" r:embed="rId5"/>
+              </a:ext>
+            </a:extLst>
+          </a:blip>
+          <a:stretch>
+            <a:fillRect/>
+          </a:stretch>
+        </p:blipFill>
+        <p:spPr>
+          <a:xfrm>
+            <a:off x="9403972" y="3254508"/>
+            <a:ext cx="1736954" cy="1736954"/>
+          </a:xfrm>
+          <a:prstGeom prst="rect">
+            <a:avLst/>
+          </a:prstGeom>
+        </p:spPr>
+      </p:pic>
+      <p:grpSp>
+        <p:nvGrpSpPr>
+          <p:cNvPr id="22" name="Group 21">
+            <a:extLst>
+              <a:ext uri="{FF2B5EF4-FFF2-40B4-BE49-F238E27FC236}">
+                <a16:creationId xmlns:a16="http://schemas.microsoft.com/office/drawing/2014/main" id="{1F2BE418-9822-4DC8-81C1-505EDC4DE1D0}"/>
+              </a:ext>
+            </a:extLst>
+          </p:cNvPr>
+          <p:cNvGrpSpPr/>
+          <p:nvPr/>
+        </p:nvGrpSpPr>
+        <p:grpSpPr>
+          <a:xfrm>
+            <a:off x="3886467" y="2822447"/>
+            <a:ext cx="4675545" cy="2636513"/>
+            <a:chOff x="6277563" y="3197028"/>
+            <a:chExt cx="3407527" cy="1921485"/>
+          </a:xfrm>
+        </p:grpSpPr>
+        <p:pic>
+          <p:nvPicPr>
+            <p:cNvPr id="23" name="Picture 22">
+              <a:extLst>
+                <a:ext uri="{FF2B5EF4-FFF2-40B4-BE49-F238E27FC236}">
+                  <a16:creationId xmlns:a16="http://schemas.microsoft.com/office/drawing/2014/main" id="{25BA15B3-51BD-4635-A541-1509D50AAEF8}"/>
+                </a:ext>
+              </a:extLst>
+            </p:cNvPr>
+            <p:cNvPicPr>
+              <a:picLocks noChangeAspect="1"/>
+            </p:cNvPicPr>
+            <p:nvPr/>
+          </p:nvPicPr>
+          <p:blipFill>
+            <a:blip r:embed="rId6">
+              <a:extLst>
+                <a:ext uri="{BEBA8EAE-BF5A-486C-A8C5-ECC9F3942E4B}">
+                  <a14:imgProps xmlns:a14="http://schemas.microsoft.com/office/drawing/2010/main">
+                    <a14:imgLayer r:embed="rId7">
+                      <a14:imgEffect>
+                        <a14:artisticBlur radius="37"/>
+                      </a14:imgEffect>
+                    </a14:imgLayer>
+                  </a14:imgProps>
+                </a:ext>
+                <a:ext uri="{28A0092B-C50C-407E-A947-70E740481C1C}">
+                  <a14:useLocalDpi xmlns:a14="http://schemas.microsoft.com/office/drawing/2010/main" val="0"/>
+                </a:ext>
+              </a:extLst>
+            </a:blip>
+            <a:srcRect/>
+            <a:stretch/>
+          </p:blipFill>
+          <p:spPr>
+            <a:xfrm>
+              <a:off x="6277563" y="3197028"/>
+              <a:ext cx="3407527" cy="1921485"/>
+            </a:xfrm>
+            <a:prstGeom prst="rect">
+              <a:avLst/>
+            </a:prstGeom>
+            <a:ln w="38100" cap="sq">
+              <a:solidFill>
+                <a:srgbClr val="000000"/>
+              </a:solidFill>
+              <a:prstDash val="solid"/>
+              <a:miter lim="800000"/>
+            </a:ln>
+            <a:effectLst>
+              <a:outerShdw blurRad="50800" dist="38100" dir="2700000" algn="tl" rotWithShape="0">
+                <a:srgbClr val="000000">
+                  <a:alpha val="43000"/>
+                </a:srgbClr>
+              </a:outerShdw>
+            </a:effectLst>
+          </p:spPr>
+        </p:pic>
+        <p:pic>
+          <p:nvPicPr>
+            <p:cNvPr id="24" name="Graphic 23" descr="Help">
+              <a:extLst>
+                <a:ext uri="{FF2B5EF4-FFF2-40B4-BE49-F238E27FC236}">
+                  <a16:creationId xmlns:a16="http://schemas.microsoft.com/office/drawing/2014/main" id="{68E1ACC4-D152-4CF5-8DDF-AB5EE3C512C8}"/>
+                </a:ext>
+              </a:extLst>
+            </p:cNvPr>
+            <p:cNvPicPr>
+              <a:picLocks noChangeAspect="1"/>
+            </p:cNvPicPr>
+            <p:nvPr/>
+          </p:nvPicPr>
+          <p:blipFill>
+            <a:blip r:embed="rId8">
+              <a:extLst>
+                <a:ext uri="{28A0092B-C50C-407E-A947-70E740481C1C}">
+                  <a14:useLocalDpi xmlns:a14="http://schemas.microsoft.com/office/drawing/2010/main" val="0"/>
+                </a:ext>
+                <a:ext uri="{96DAC541-7B7A-43D3-8B79-37D633B846F1}">
+                  <asvg:svgBlip xmlns:asvg="http://schemas.microsoft.com/office/drawing/2016/SVG/main" r:embed="rId9"/>
+                </a:ext>
+              </a:extLst>
+            </a:blip>
+            <a:stretch>
+              <a:fillRect/>
+            </a:stretch>
+          </p:blipFill>
+          <p:spPr>
+            <a:xfrm>
+              <a:off x="7524126" y="3700570"/>
+              <a:ext cx="914400" cy="914400"/>
+            </a:xfrm>
+            <a:prstGeom prst="rect">
+              <a:avLst/>
+            </a:prstGeom>
+          </p:spPr>
+        </p:pic>
+      </p:grpSp>
     </p:spTree>
     <p:extLst>
       <p:ext uri="{BB962C8B-B14F-4D97-AF65-F5344CB8AC3E}">
-        <p14:creationId xmlns:p14="http://schemas.microsoft.com/office/powerpoint/2010/main" val="4169222507"/>
+        <p14:creationId xmlns:p14="http://schemas.microsoft.com/office/powerpoint/2010/main" val="2901657356"/>
       </p:ext>
     </p:extLst>
   </p:cSld>
